--- a/06-生命周期/新版生命周期 .pptx
+++ b/06-生命周期/新版生命周期 .pptx
@@ -1,11 +1,11 @@
 
 <file path=ppt/presentation.xml><?xml version="1.0" encoding="utf-8"?>
-<p:presentation xmlns:a="http://schemas.openxmlformats.org/drawingml/2006/main" xmlns:r="http://schemas.openxmlformats.org/officeDocument/2006/relationships" xmlns:p="http://schemas.openxmlformats.org/presentationml/2006/main" saveSubsetFonts="1">
+<p:presentation xmlns:a="http://schemas.openxmlformats.org/drawingml/2006/main" xmlns:r="http://schemas.openxmlformats.org/officeDocument/2006/relationships" xmlns:p="http://schemas.openxmlformats.org/presentationml/2006/main">
   <p:sldMasterIdLst>
     <p:sldMasterId id="2147483648" r:id="rId1"/>
   </p:sldMasterIdLst>
   <p:sldIdLst>
-    <p:sldId id="257" r:id="rId2"/>
+    <p:sldId id="257" r:id="rId3"/>
   </p:sldIdLst>
   <p:sldSz cx="12192000" cy="6858000"/>
   <p:notesSz cx="6858000" cy="9144000"/>
@@ -104,11 +104,6 @@
       </a:defRPr>
     </a:lvl9pPr>
   </p:defaultTextStyle>
-  <p:extLst>
-    <p:ext uri="{EFAFB233-063F-42B5-8137-9DF3F51BA10A}">
-      <p15:sldGuideLst xmlns:p15="http://schemas.microsoft.com/office/powerpoint/2012/main"/>
-    </p:ext>
-  </p:extLst>
 </p:presentation>
 </file>
 
@@ -131,13 +126,7 @@
       </p:grpSpPr>
       <p:sp>
         <p:nvSpPr>
-          <p:cNvPr id="2" name="标题 1">
-            <a:extLst>
-              <a:ext uri="{FF2B5EF4-FFF2-40B4-BE49-F238E27FC236}">
-                <a16:creationId xmlns:a16="http://schemas.microsoft.com/office/drawing/2014/main" id="{2BECDFAB-7E6D-46C7-A42E-84062175B58A}"/>
-              </a:ext>
-            </a:extLst>
-          </p:cNvPr>
+          <p:cNvPr id="2" name="标题 1"/>
           <p:cNvSpPr>
             <a:spLocks noGrp="1"/>
           </p:cNvSpPr>
@@ -163,18 +152,13 @@
               <a:rPr lang="zh-CN" altLang="en-US"/>
               <a:t>单击此处编辑母版标题样式</a:t>
             </a:r>
-          </a:p>
-        </p:txBody>
-      </p:sp>
-      <p:sp>
-        <p:nvSpPr>
-          <p:cNvPr id="3" name="副标题 2">
-            <a:extLst>
-              <a:ext uri="{FF2B5EF4-FFF2-40B4-BE49-F238E27FC236}">
-                <a16:creationId xmlns:a16="http://schemas.microsoft.com/office/drawing/2014/main" id="{5A69C017-0588-43A4-B1DA-19E253B6ADCF}"/>
-              </a:ext>
-            </a:extLst>
-          </p:cNvPr>
+            <a:endParaRPr lang="zh-CN" altLang="en-US"/>
+          </a:p>
+        </p:txBody>
+      </p:sp>
+      <p:sp>
+        <p:nvSpPr>
+          <p:cNvPr id="3" name="副标题 2"/>
           <p:cNvSpPr>
             <a:spLocks noGrp="1"/>
           </p:cNvSpPr>
@@ -233,18 +217,13 @@
               <a:rPr lang="zh-CN" altLang="en-US"/>
               <a:t>单击此处编辑母版副标题样式</a:t>
             </a:r>
-          </a:p>
-        </p:txBody>
-      </p:sp>
-      <p:sp>
-        <p:nvSpPr>
-          <p:cNvPr id="4" name="日期占位符 3">
-            <a:extLst>
-              <a:ext uri="{FF2B5EF4-FFF2-40B4-BE49-F238E27FC236}">
-                <a16:creationId xmlns:a16="http://schemas.microsoft.com/office/drawing/2014/main" id="{934B0C0B-047D-43B4-A692-2B9E09FAF384}"/>
-              </a:ext>
-            </a:extLst>
-          </p:cNvPr>
+            <a:endParaRPr lang="zh-CN" altLang="en-US"/>
+          </a:p>
+        </p:txBody>
+      </p:sp>
+      <p:sp>
+        <p:nvSpPr>
+          <p:cNvPr id="4" name="日期占位符 3"/>
           <p:cNvSpPr>
             <a:spLocks noGrp="1"/>
           </p:cNvSpPr>
@@ -259,7 +238,6 @@
           <a:p>
             <a:fld id="{F8EF9790-724A-4D00-AD06-B61DE59F3407}" type="datetimeFigureOut">
               <a:rPr lang="zh-CN" altLang="en-US" smtClean="0"/>
-              <a:t>2019/7/17</a:t>
             </a:fld>
             <a:endParaRPr lang="zh-CN" altLang="en-US"/>
           </a:p>
@@ -267,13 +245,7 @@
       </p:sp>
       <p:sp>
         <p:nvSpPr>
-          <p:cNvPr id="5" name="页脚占位符 4">
-            <a:extLst>
-              <a:ext uri="{FF2B5EF4-FFF2-40B4-BE49-F238E27FC236}">
-                <a16:creationId xmlns:a16="http://schemas.microsoft.com/office/drawing/2014/main" id="{42721BF2-DB98-449B-B422-77EB38DB188D}"/>
-              </a:ext>
-            </a:extLst>
-          </p:cNvPr>
+          <p:cNvPr id="5" name="页脚占位符 4"/>
           <p:cNvSpPr>
             <a:spLocks noGrp="1"/>
           </p:cNvSpPr>
@@ -292,13 +264,7 @@
       </p:sp>
       <p:sp>
         <p:nvSpPr>
-          <p:cNvPr id="6" name="灯片编号占位符 5">
-            <a:extLst>
-              <a:ext uri="{FF2B5EF4-FFF2-40B4-BE49-F238E27FC236}">
-                <a16:creationId xmlns:a16="http://schemas.microsoft.com/office/drawing/2014/main" id="{D182934F-839B-4B1F-8199-D4A94AC9C7FA}"/>
-              </a:ext>
-            </a:extLst>
-          </p:cNvPr>
+          <p:cNvPr id="6" name="灯片编号占位符 5"/>
           <p:cNvSpPr>
             <a:spLocks noGrp="1"/>
           </p:cNvSpPr>
@@ -313,18 +279,12 @@
           <a:p>
             <a:fld id="{5DEFC233-BBFE-4C63-A5C0-8661928D08E0}" type="slidenum">
               <a:rPr lang="zh-CN" altLang="en-US" smtClean="0"/>
-              <a:t>‹#›</a:t>
             </a:fld>
             <a:endParaRPr lang="zh-CN" altLang="en-US"/>
           </a:p>
         </p:txBody>
       </p:sp>
     </p:spTree>
-    <p:extLst>
-      <p:ext uri="{BB962C8B-B14F-4D97-AF65-F5344CB8AC3E}">
-        <p14:creationId xmlns:p14="http://schemas.microsoft.com/office/powerpoint/2010/main" val="2083180343"/>
-      </p:ext>
-    </p:extLst>
   </p:cSld>
   <p:clrMapOvr>
     <a:masterClrMapping/>
@@ -351,13 +311,7 @@
       </p:grpSpPr>
       <p:sp>
         <p:nvSpPr>
-          <p:cNvPr id="2" name="标题 1">
-            <a:extLst>
-              <a:ext uri="{FF2B5EF4-FFF2-40B4-BE49-F238E27FC236}">
-                <a16:creationId xmlns:a16="http://schemas.microsoft.com/office/drawing/2014/main" id="{309627A6-2CE8-45A3-A7EA-5D6D2BD34AF5}"/>
-              </a:ext>
-            </a:extLst>
-          </p:cNvPr>
+          <p:cNvPr id="2" name="标题 1"/>
           <p:cNvSpPr>
             <a:spLocks noGrp="1"/>
           </p:cNvSpPr>
@@ -374,18 +328,13 @@
               <a:rPr lang="zh-CN" altLang="en-US"/>
               <a:t>单击此处编辑母版标题样式</a:t>
             </a:r>
-          </a:p>
-        </p:txBody>
-      </p:sp>
-      <p:sp>
-        <p:nvSpPr>
-          <p:cNvPr id="3" name="竖排文字占位符 2">
-            <a:extLst>
-              <a:ext uri="{FF2B5EF4-FFF2-40B4-BE49-F238E27FC236}">
-                <a16:creationId xmlns:a16="http://schemas.microsoft.com/office/drawing/2014/main" id="{4884B586-6152-4318-85DA-E67DE6E3FF0D}"/>
-              </a:ext>
-            </a:extLst>
-          </p:cNvPr>
+            <a:endParaRPr lang="zh-CN" altLang="en-US"/>
+          </a:p>
+        </p:txBody>
+      </p:sp>
+      <p:sp>
+        <p:nvSpPr>
+          <p:cNvPr id="3" name="竖排文字占位符 2"/>
           <p:cNvSpPr>
             <a:spLocks noGrp="1"/>
           </p:cNvSpPr>
@@ -403,6 +352,7 @@
               <a:rPr lang="zh-CN" altLang="en-US"/>
               <a:t>单击此处编辑母版文本样式</a:t>
             </a:r>
+            <a:endParaRPr lang="zh-CN" altLang="en-US"/>
           </a:p>
           <a:p>
             <a:pPr lvl="1"/>
@@ -410,6 +360,7 @@
               <a:rPr lang="zh-CN" altLang="en-US"/>
               <a:t>二级</a:t>
             </a:r>
+            <a:endParaRPr lang="zh-CN" altLang="en-US"/>
           </a:p>
           <a:p>
             <a:pPr lvl="2"/>
@@ -417,6 +368,7 @@
               <a:rPr lang="zh-CN" altLang="en-US"/>
               <a:t>三级</a:t>
             </a:r>
+            <a:endParaRPr lang="zh-CN" altLang="en-US"/>
           </a:p>
           <a:p>
             <a:pPr lvl="3"/>
@@ -424,6 +376,7 @@
               <a:rPr lang="zh-CN" altLang="en-US"/>
               <a:t>四级</a:t>
             </a:r>
+            <a:endParaRPr lang="zh-CN" altLang="en-US"/>
           </a:p>
           <a:p>
             <a:pPr lvl="4"/>
@@ -431,18 +384,13 @@
               <a:rPr lang="zh-CN" altLang="en-US"/>
               <a:t>五级</a:t>
             </a:r>
-          </a:p>
-        </p:txBody>
-      </p:sp>
-      <p:sp>
-        <p:nvSpPr>
-          <p:cNvPr id="4" name="日期占位符 3">
-            <a:extLst>
-              <a:ext uri="{FF2B5EF4-FFF2-40B4-BE49-F238E27FC236}">
-                <a16:creationId xmlns:a16="http://schemas.microsoft.com/office/drawing/2014/main" id="{7748170C-02EC-4326-9220-ABA5781DFC45}"/>
-              </a:ext>
-            </a:extLst>
-          </p:cNvPr>
+            <a:endParaRPr lang="zh-CN" altLang="en-US"/>
+          </a:p>
+        </p:txBody>
+      </p:sp>
+      <p:sp>
+        <p:nvSpPr>
+          <p:cNvPr id="4" name="日期占位符 3"/>
           <p:cNvSpPr>
             <a:spLocks noGrp="1"/>
           </p:cNvSpPr>
@@ -457,7 +405,6 @@
           <a:p>
             <a:fld id="{F8EF9790-724A-4D00-AD06-B61DE59F3407}" type="datetimeFigureOut">
               <a:rPr lang="zh-CN" altLang="en-US" smtClean="0"/>
-              <a:t>2019/7/17</a:t>
             </a:fld>
             <a:endParaRPr lang="zh-CN" altLang="en-US"/>
           </a:p>
@@ -465,13 +412,7 @@
       </p:sp>
       <p:sp>
         <p:nvSpPr>
-          <p:cNvPr id="5" name="页脚占位符 4">
-            <a:extLst>
-              <a:ext uri="{FF2B5EF4-FFF2-40B4-BE49-F238E27FC236}">
-                <a16:creationId xmlns:a16="http://schemas.microsoft.com/office/drawing/2014/main" id="{7C4470B5-F0C4-4DC8-8E32-D6300F13EC09}"/>
-              </a:ext>
-            </a:extLst>
-          </p:cNvPr>
+          <p:cNvPr id="5" name="页脚占位符 4"/>
           <p:cNvSpPr>
             <a:spLocks noGrp="1"/>
           </p:cNvSpPr>
@@ -490,13 +431,7 @@
       </p:sp>
       <p:sp>
         <p:nvSpPr>
-          <p:cNvPr id="6" name="灯片编号占位符 5">
-            <a:extLst>
-              <a:ext uri="{FF2B5EF4-FFF2-40B4-BE49-F238E27FC236}">
-                <a16:creationId xmlns:a16="http://schemas.microsoft.com/office/drawing/2014/main" id="{1E72C44F-395B-4667-9A31-1EB9AAC1415B}"/>
-              </a:ext>
-            </a:extLst>
-          </p:cNvPr>
+          <p:cNvPr id="6" name="灯片编号占位符 5"/>
           <p:cNvSpPr>
             <a:spLocks noGrp="1"/>
           </p:cNvSpPr>
@@ -511,18 +446,12 @@
           <a:p>
             <a:fld id="{5DEFC233-BBFE-4C63-A5C0-8661928D08E0}" type="slidenum">
               <a:rPr lang="zh-CN" altLang="en-US" smtClean="0"/>
-              <a:t>‹#›</a:t>
             </a:fld>
             <a:endParaRPr lang="zh-CN" altLang="en-US"/>
           </a:p>
         </p:txBody>
       </p:sp>
     </p:spTree>
-    <p:extLst>
-      <p:ext uri="{BB962C8B-B14F-4D97-AF65-F5344CB8AC3E}">
-        <p14:creationId xmlns:p14="http://schemas.microsoft.com/office/powerpoint/2010/main" val="435695515"/>
-      </p:ext>
-    </p:extLst>
   </p:cSld>
   <p:clrMapOvr>
     <a:masterClrMapping/>
@@ -549,13 +478,7 @@
       </p:grpSpPr>
       <p:sp>
         <p:nvSpPr>
-          <p:cNvPr id="2" name="竖排标题 1">
-            <a:extLst>
-              <a:ext uri="{FF2B5EF4-FFF2-40B4-BE49-F238E27FC236}">
-                <a16:creationId xmlns:a16="http://schemas.microsoft.com/office/drawing/2014/main" id="{F9A1BD4E-9251-49CD-8C7D-5EC2B5A75E9D}"/>
-              </a:ext>
-            </a:extLst>
-          </p:cNvPr>
+          <p:cNvPr id="2" name="竖排标题 1"/>
           <p:cNvSpPr>
             <a:spLocks noGrp="1"/>
           </p:cNvSpPr>
@@ -577,18 +500,13 @@
               <a:rPr lang="zh-CN" altLang="en-US"/>
               <a:t>单击此处编辑母版标题样式</a:t>
             </a:r>
-          </a:p>
-        </p:txBody>
-      </p:sp>
-      <p:sp>
-        <p:nvSpPr>
-          <p:cNvPr id="3" name="竖排文字占位符 2">
-            <a:extLst>
-              <a:ext uri="{FF2B5EF4-FFF2-40B4-BE49-F238E27FC236}">
-                <a16:creationId xmlns:a16="http://schemas.microsoft.com/office/drawing/2014/main" id="{F35D9B29-3AB2-4C5B-960B-3C523921D120}"/>
-              </a:ext>
-            </a:extLst>
-          </p:cNvPr>
+            <a:endParaRPr lang="zh-CN" altLang="en-US"/>
+          </a:p>
+        </p:txBody>
+      </p:sp>
+      <p:sp>
+        <p:nvSpPr>
+          <p:cNvPr id="3" name="竖排文字占位符 2"/>
           <p:cNvSpPr>
             <a:spLocks noGrp="1"/>
           </p:cNvSpPr>
@@ -611,6 +529,7 @@
               <a:rPr lang="zh-CN" altLang="en-US"/>
               <a:t>单击此处编辑母版文本样式</a:t>
             </a:r>
+            <a:endParaRPr lang="zh-CN" altLang="en-US"/>
           </a:p>
           <a:p>
             <a:pPr lvl="1"/>
@@ -618,6 +537,7 @@
               <a:rPr lang="zh-CN" altLang="en-US"/>
               <a:t>二级</a:t>
             </a:r>
+            <a:endParaRPr lang="zh-CN" altLang="en-US"/>
           </a:p>
           <a:p>
             <a:pPr lvl="2"/>
@@ -625,6 +545,7 @@
               <a:rPr lang="zh-CN" altLang="en-US"/>
               <a:t>三级</a:t>
             </a:r>
+            <a:endParaRPr lang="zh-CN" altLang="en-US"/>
           </a:p>
           <a:p>
             <a:pPr lvl="3"/>
@@ -632,6 +553,7 @@
               <a:rPr lang="zh-CN" altLang="en-US"/>
               <a:t>四级</a:t>
             </a:r>
+            <a:endParaRPr lang="zh-CN" altLang="en-US"/>
           </a:p>
           <a:p>
             <a:pPr lvl="4"/>
@@ -639,18 +561,13 @@
               <a:rPr lang="zh-CN" altLang="en-US"/>
               <a:t>五级</a:t>
             </a:r>
-          </a:p>
-        </p:txBody>
-      </p:sp>
-      <p:sp>
-        <p:nvSpPr>
-          <p:cNvPr id="4" name="日期占位符 3">
-            <a:extLst>
-              <a:ext uri="{FF2B5EF4-FFF2-40B4-BE49-F238E27FC236}">
-                <a16:creationId xmlns:a16="http://schemas.microsoft.com/office/drawing/2014/main" id="{E6CB5C26-1528-4E03-B0A8-CFF7B02314A3}"/>
-              </a:ext>
-            </a:extLst>
-          </p:cNvPr>
+            <a:endParaRPr lang="zh-CN" altLang="en-US"/>
+          </a:p>
+        </p:txBody>
+      </p:sp>
+      <p:sp>
+        <p:nvSpPr>
+          <p:cNvPr id="4" name="日期占位符 3"/>
           <p:cNvSpPr>
             <a:spLocks noGrp="1"/>
           </p:cNvSpPr>
@@ -665,7 +582,6 @@
           <a:p>
             <a:fld id="{F8EF9790-724A-4D00-AD06-B61DE59F3407}" type="datetimeFigureOut">
               <a:rPr lang="zh-CN" altLang="en-US" smtClean="0"/>
-              <a:t>2019/7/17</a:t>
             </a:fld>
             <a:endParaRPr lang="zh-CN" altLang="en-US"/>
           </a:p>
@@ -673,13 +589,7 @@
       </p:sp>
       <p:sp>
         <p:nvSpPr>
-          <p:cNvPr id="5" name="页脚占位符 4">
-            <a:extLst>
-              <a:ext uri="{FF2B5EF4-FFF2-40B4-BE49-F238E27FC236}">
-                <a16:creationId xmlns:a16="http://schemas.microsoft.com/office/drawing/2014/main" id="{68CFE15D-791A-45B8-8B70-0B4539A23685}"/>
-              </a:ext>
-            </a:extLst>
-          </p:cNvPr>
+          <p:cNvPr id="5" name="页脚占位符 4"/>
           <p:cNvSpPr>
             <a:spLocks noGrp="1"/>
           </p:cNvSpPr>
@@ -698,13 +608,7 @@
       </p:sp>
       <p:sp>
         <p:nvSpPr>
-          <p:cNvPr id="6" name="灯片编号占位符 5">
-            <a:extLst>
-              <a:ext uri="{FF2B5EF4-FFF2-40B4-BE49-F238E27FC236}">
-                <a16:creationId xmlns:a16="http://schemas.microsoft.com/office/drawing/2014/main" id="{C5DC8467-53E2-4DE4-A426-CA919EEE5725}"/>
-              </a:ext>
-            </a:extLst>
-          </p:cNvPr>
+          <p:cNvPr id="6" name="灯片编号占位符 5"/>
           <p:cNvSpPr>
             <a:spLocks noGrp="1"/>
           </p:cNvSpPr>
@@ -719,18 +623,12 @@
           <a:p>
             <a:fld id="{5DEFC233-BBFE-4C63-A5C0-8661928D08E0}" type="slidenum">
               <a:rPr lang="zh-CN" altLang="en-US" smtClean="0"/>
-              <a:t>‹#›</a:t>
             </a:fld>
             <a:endParaRPr lang="zh-CN" altLang="en-US"/>
           </a:p>
         </p:txBody>
       </p:sp>
     </p:spTree>
-    <p:extLst>
-      <p:ext uri="{BB962C8B-B14F-4D97-AF65-F5344CB8AC3E}">
-        <p14:creationId xmlns:p14="http://schemas.microsoft.com/office/powerpoint/2010/main" val="2072555262"/>
-      </p:ext>
-    </p:extLst>
   </p:cSld>
   <p:clrMapOvr>
     <a:masterClrMapping/>
@@ -757,13 +655,7 @@
       </p:grpSpPr>
       <p:sp>
         <p:nvSpPr>
-          <p:cNvPr id="2" name="标题 1">
-            <a:extLst>
-              <a:ext uri="{FF2B5EF4-FFF2-40B4-BE49-F238E27FC236}">
-                <a16:creationId xmlns:a16="http://schemas.microsoft.com/office/drawing/2014/main" id="{293ED513-4B62-4A21-A979-24FA6AA0E405}"/>
-              </a:ext>
-            </a:extLst>
-          </p:cNvPr>
+          <p:cNvPr id="2" name="标题 1"/>
           <p:cNvSpPr>
             <a:spLocks noGrp="1"/>
           </p:cNvSpPr>
@@ -780,18 +672,13 @@
               <a:rPr lang="zh-CN" altLang="en-US"/>
               <a:t>单击此处编辑母版标题样式</a:t>
             </a:r>
-          </a:p>
-        </p:txBody>
-      </p:sp>
-      <p:sp>
-        <p:nvSpPr>
-          <p:cNvPr id="3" name="内容占位符 2">
-            <a:extLst>
-              <a:ext uri="{FF2B5EF4-FFF2-40B4-BE49-F238E27FC236}">
-                <a16:creationId xmlns:a16="http://schemas.microsoft.com/office/drawing/2014/main" id="{450CF1EF-42AC-4E1F-BFDA-96E64D2EF07A}"/>
-              </a:ext>
-            </a:extLst>
-          </p:cNvPr>
+            <a:endParaRPr lang="zh-CN" altLang="en-US"/>
+          </a:p>
+        </p:txBody>
+      </p:sp>
+      <p:sp>
+        <p:nvSpPr>
+          <p:cNvPr id="3" name="内容占位符 2"/>
           <p:cNvSpPr>
             <a:spLocks noGrp="1"/>
           </p:cNvSpPr>
@@ -809,6 +696,7 @@
               <a:rPr lang="zh-CN" altLang="en-US"/>
               <a:t>单击此处编辑母版文本样式</a:t>
             </a:r>
+            <a:endParaRPr lang="zh-CN" altLang="en-US"/>
           </a:p>
           <a:p>
             <a:pPr lvl="1"/>
@@ -816,6 +704,7 @@
               <a:rPr lang="zh-CN" altLang="en-US"/>
               <a:t>二级</a:t>
             </a:r>
+            <a:endParaRPr lang="zh-CN" altLang="en-US"/>
           </a:p>
           <a:p>
             <a:pPr lvl="2"/>
@@ -823,6 +712,7 @@
               <a:rPr lang="zh-CN" altLang="en-US"/>
               <a:t>三级</a:t>
             </a:r>
+            <a:endParaRPr lang="zh-CN" altLang="en-US"/>
           </a:p>
           <a:p>
             <a:pPr lvl="3"/>
@@ -830,6 +720,7 @@
               <a:rPr lang="zh-CN" altLang="en-US"/>
               <a:t>四级</a:t>
             </a:r>
+            <a:endParaRPr lang="zh-CN" altLang="en-US"/>
           </a:p>
           <a:p>
             <a:pPr lvl="4"/>
@@ -837,18 +728,13 @@
               <a:rPr lang="zh-CN" altLang="en-US"/>
               <a:t>五级</a:t>
             </a:r>
-          </a:p>
-        </p:txBody>
-      </p:sp>
-      <p:sp>
-        <p:nvSpPr>
-          <p:cNvPr id="4" name="日期占位符 3">
-            <a:extLst>
-              <a:ext uri="{FF2B5EF4-FFF2-40B4-BE49-F238E27FC236}">
-                <a16:creationId xmlns:a16="http://schemas.microsoft.com/office/drawing/2014/main" id="{24EEBE47-F8C0-4F4F-99D9-A96836FFF64B}"/>
-              </a:ext>
-            </a:extLst>
-          </p:cNvPr>
+            <a:endParaRPr lang="zh-CN" altLang="en-US"/>
+          </a:p>
+        </p:txBody>
+      </p:sp>
+      <p:sp>
+        <p:nvSpPr>
+          <p:cNvPr id="4" name="日期占位符 3"/>
           <p:cNvSpPr>
             <a:spLocks noGrp="1"/>
           </p:cNvSpPr>
@@ -863,7 +749,6 @@
           <a:p>
             <a:fld id="{F8EF9790-724A-4D00-AD06-B61DE59F3407}" type="datetimeFigureOut">
               <a:rPr lang="zh-CN" altLang="en-US" smtClean="0"/>
-              <a:t>2019/7/17</a:t>
             </a:fld>
             <a:endParaRPr lang="zh-CN" altLang="en-US"/>
           </a:p>
@@ -871,13 +756,7 @@
       </p:sp>
       <p:sp>
         <p:nvSpPr>
-          <p:cNvPr id="5" name="页脚占位符 4">
-            <a:extLst>
-              <a:ext uri="{FF2B5EF4-FFF2-40B4-BE49-F238E27FC236}">
-                <a16:creationId xmlns:a16="http://schemas.microsoft.com/office/drawing/2014/main" id="{43FB0269-EBDE-4213-B2D6-9555D8B54C53}"/>
-              </a:ext>
-            </a:extLst>
-          </p:cNvPr>
+          <p:cNvPr id="5" name="页脚占位符 4"/>
           <p:cNvSpPr>
             <a:spLocks noGrp="1"/>
           </p:cNvSpPr>
@@ -896,13 +775,7 @@
       </p:sp>
       <p:sp>
         <p:nvSpPr>
-          <p:cNvPr id="6" name="灯片编号占位符 5">
-            <a:extLst>
-              <a:ext uri="{FF2B5EF4-FFF2-40B4-BE49-F238E27FC236}">
-                <a16:creationId xmlns:a16="http://schemas.microsoft.com/office/drawing/2014/main" id="{8B32A6DD-3389-4523-84B7-E9C0F083D8D0}"/>
-              </a:ext>
-            </a:extLst>
-          </p:cNvPr>
+          <p:cNvPr id="6" name="灯片编号占位符 5"/>
           <p:cNvSpPr>
             <a:spLocks noGrp="1"/>
           </p:cNvSpPr>
@@ -917,18 +790,12 @@
           <a:p>
             <a:fld id="{5DEFC233-BBFE-4C63-A5C0-8661928D08E0}" type="slidenum">
               <a:rPr lang="zh-CN" altLang="en-US" smtClean="0"/>
-              <a:t>‹#›</a:t>
             </a:fld>
             <a:endParaRPr lang="zh-CN" altLang="en-US"/>
           </a:p>
         </p:txBody>
       </p:sp>
     </p:spTree>
-    <p:extLst>
-      <p:ext uri="{BB962C8B-B14F-4D97-AF65-F5344CB8AC3E}">
-        <p14:creationId xmlns:p14="http://schemas.microsoft.com/office/powerpoint/2010/main" val="367922751"/>
-      </p:ext>
-    </p:extLst>
   </p:cSld>
   <p:clrMapOvr>
     <a:masterClrMapping/>
@@ -955,13 +822,7 @@
       </p:grpSpPr>
       <p:sp>
         <p:nvSpPr>
-          <p:cNvPr id="2" name="标题 1">
-            <a:extLst>
-              <a:ext uri="{FF2B5EF4-FFF2-40B4-BE49-F238E27FC236}">
-                <a16:creationId xmlns:a16="http://schemas.microsoft.com/office/drawing/2014/main" id="{5F68AB16-F0B5-4794-88F1-F290AEF3D9EB}"/>
-              </a:ext>
-            </a:extLst>
-          </p:cNvPr>
+          <p:cNvPr id="2" name="标题 1"/>
           <p:cNvSpPr>
             <a:spLocks noGrp="1"/>
           </p:cNvSpPr>
@@ -987,18 +848,13 @@
               <a:rPr lang="zh-CN" altLang="en-US"/>
               <a:t>单击此处编辑母版标题样式</a:t>
             </a:r>
-          </a:p>
-        </p:txBody>
-      </p:sp>
-      <p:sp>
-        <p:nvSpPr>
-          <p:cNvPr id="3" name="文本占位符 2">
-            <a:extLst>
-              <a:ext uri="{FF2B5EF4-FFF2-40B4-BE49-F238E27FC236}">
-                <a16:creationId xmlns:a16="http://schemas.microsoft.com/office/drawing/2014/main" id="{A3F3002B-3293-43BD-8639-3CF6C933261F}"/>
-              </a:ext>
-            </a:extLst>
-          </p:cNvPr>
+            <a:endParaRPr lang="zh-CN" altLang="en-US"/>
+          </a:p>
+        </p:txBody>
+      </p:sp>
+      <p:sp>
+        <p:nvSpPr>
+          <p:cNvPr id="3" name="文本占位符 2"/>
           <p:cNvSpPr>
             <a:spLocks noGrp="1"/>
           </p:cNvSpPr>
@@ -1112,18 +968,13 @@
               <a:rPr lang="zh-CN" altLang="en-US"/>
               <a:t>单击此处编辑母版文本样式</a:t>
             </a:r>
-          </a:p>
-        </p:txBody>
-      </p:sp>
-      <p:sp>
-        <p:nvSpPr>
-          <p:cNvPr id="4" name="日期占位符 3">
-            <a:extLst>
-              <a:ext uri="{FF2B5EF4-FFF2-40B4-BE49-F238E27FC236}">
-                <a16:creationId xmlns:a16="http://schemas.microsoft.com/office/drawing/2014/main" id="{332AF3A8-ACC3-4B19-AE12-4A2E8EA5C050}"/>
-              </a:ext>
-            </a:extLst>
-          </p:cNvPr>
+            <a:endParaRPr lang="zh-CN" altLang="en-US"/>
+          </a:p>
+        </p:txBody>
+      </p:sp>
+      <p:sp>
+        <p:nvSpPr>
+          <p:cNvPr id="4" name="日期占位符 3"/>
           <p:cNvSpPr>
             <a:spLocks noGrp="1"/>
           </p:cNvSpPr>
@@ -1138,7 +989,6 @@
           <a:p>
             <a:fld id="{F8EF9790-724A-4D00-AD06-B61DE59F3407}" type="datetimeFigureOut">
               <a:rPr lang="zh-CN" altLang="en-US" smtClean="0"/>
-              <a:t>2019/7/17</a:t>
             </a:fld>
             <a:endParaRPr lang="zh-CN" altLang="en-US"/>
           </a:p>
@@ -1146,13 +996,7 @@
       </p:sp>
       <p:sp>
         <p:nvSpPr>
-          <p:cNvPr id="5" name="页脚占位符 4">
-            <a:extLst>
-              <a:ext uri="{FF2B5EF4-FFF2-40B4-BE49-F238E27FC236}">
-                <a16:creationId xmlns:a16="http://schemas.microsoft.com/office/drawing/2014/main" id="{FB38ACB4-5EA4-47CA-AF38-90AA532044AA}"/>
-              </a:ext>
-            </a:extLst>
-          </p:cNvPr>
+          <p:cNvPr id="5" name="页脚占位符 4"/>
           <p:cNvSpPr>
             <a:spLocks noGrp="1"/>
           </p:cNvSpPr>
@@ -1171,13 +1015,7 @@
       </p:sp>
       <p:sp>
         <p:nvSpPr>
-          <p:cNvPr id="6" name="灯片编号占位符 5">
-            <a:extLst>
-              <a:ext uri="{FF2B5EF4-FFF2-40B4-BE49-F238E27FC236}">
-                <a16:creationId xmlns:a16="http://schemas.microsoft.com/office/drawing/2014/main" id="{939AE63E-E8B1-4741-B92A-6C8A54ED9DF9}"/>
-              </a:ext>
-            </a:extLst>
-          </p:cNvPr>
+          <p:cNvPr id="6" name="灯片编号占位符 5"/>
           <p:cNvSpPr>
             <a:spLocks noGrp="1"/>
           </p:cNvSpPr>
@@ -1192,18 +1030,12 @@
           <a:p>
             <a:fld id="{5DEFC233-BBFE-4C63-A5C0-8661928D08E0}" type="slidenum">
               <a:rPr lang="zh-CN" altLang="en-US" smtClean="0"/>
-              <a:t>‹#›</a:t>
             </a:fld>
             <a:endParaRPr lang="zh-CN" altLang="en-US"/>
           </a:p>
         </p:txBody>
       </p:sp>
     </p:spTree>
-    <p:extLst>
-      <p:ext uri="{BB962C8B-B14F-4D97-AF65-F5344CB8AC3E}">
-        <p14:creationId xmlns:p14="http://schemas.microsoft.com/office/powerpoint/2010/main" val="362995224"/>
-      </p:ext>
-    </p:extLst>
   </p:cSld>
   <p:clrMapOvr>
     <a:masterClrMapping/>
@@ -1230,13 +1062,7 @@
       </p:grpSpPr>
       <p:sp>
         <p:nvSpPr>
-          <p:cNvPr id="2" name="标题 1">
-            <a:extLst>
-              <a:ext uri="{FF2B5EF4-FFF2-40B4-BE49-F238E27FC236}">
-                <a16:creationId xmlns:a16="http://schemas.microsoft.com/office/drawing/2014/main" id="{B3BFF6E6-0025-4CFD-A2CF-72293FEF6258}"/>
-              </a:ext>
-            </a:extLst>
-          </p:cNvPr>
+          <p:cNvPr id="2" name="标题 1"/>
           <p:cNvSpPr>
             <a:spLocks noGrp="1"/>
           </p:cNvSpPr>
@@ -1253,18 +1079,13 @@
               <a:rPr lang="zh-CN" altLang="en-US"/>
               <a:t>单击此处编辑母版标题样式</a:t>
             </a:r>
-          </a:p>
-        </p:txBody>
-      </p:sp>
-      <p:sp>
-        <p:nvSpPr>
-          <p:cNvPr id="3" name="内容占位符 2">
-            <a:extLst>
-              <a:ext uri="{FF2B5EF4-FFF2-40B4-BE49-F238E27FC236}">
-                <a16:creationId xmlns:a16="http://schemas.microsoft.com/office/drawing/2014/main" id="{F1CB5582-24BC-41D4-8A7C-E4218CBDF79E}"/>
-              </a:ext>
-            </a:extLst>
-          </p:cNvPr>
+            <a:endParaRPr lang="zh-CN" altLang="en-US"/>
+          </a:p>
+        </p:txBody>
+      </p:sp>
+      <p:sp>
+        <p:nvSpPr>
+          <p:cNvPr id="3" name="内容占位符 2"/>
           <p:cNvSpPr>
             <a:spLocks noGrp="1"/>
           </p:cNvSpPr>
@@ -1287,6 +1108,7 @@
               <a:rPr lang="zh-CN" altLang="en-US"/>
               <a:t>单击此处编辑母版文本样式</a:t>
             </a:r>
+            <a:endParaRPr lang="zh-CN" altLang="en-US"/>
           </a:p>
           <a:p>
             <a:pPr lvl="1"/>
@@ -1294,6 +1116,7 @@
               <a:rPr lang="zh-CN" altLang="en-US"/>
               <a:t>二级</a:t>
             </a:r>
+            <a:endParaRPr lang="zh-CN" altLang="en-US"/>
           </a:p>
           <a:p>
             <a:pPr lvl="2"/>
@@ -1301,6 +1124,7 @@
               <a:rPr lang="zh-CN" altLang="en-US"/>
               <a:t>三级</a:t>
             </a:r>
+            <a:endParaRPr lang="zh-CN" altLang="en-US"/>
           </a:p>
           <a:p>
             <a:pPr lvl="3"/>
@@ -1308,6 +1132,7 @@
               <a:rPr lang="zh-CN" altLang="en-US"/>
               <a:t>四级</a:t>
             </a:r>
+            <a:endParaRPr lang="zh-CN" altLang="en-US"/>
           </a:p>
           <a:p>
             <a:pPr lvl="4"/>
@@ -1315,18 +1140,13 @@
               <a:rPr lang="zh-CN" altLang="en-US"/>
               <a:t>五级</a:t>
             </a:r>
-          </a:p>
-        </p:txBody>
-      </p:sp>
-      <p:sp>
-        <p:nvSpPr>
-          <p:cNvPr id="4" name="内容占位符 3">
-            <a:extLst>
-              <a:ext uri="{FF2B5EF4-FFF2-40B4-BE49-F238E27FC236}">
-                <a16:creationId xmlns:a16="http://schemas.microsoft.com/office/drawing/2014/main" id="{D9036E5C-C82C-4F51-B225-F7FBB29EC378}"/>
-              </a:ext>
-            </a:extLst>
-          </p:cNvPr>
+            <a:endParaRPr lang="zh-CN" altLang="en-US"/>
+          </a:p>
+        </p:txBody>
+      </p:sp>
+      <p:sp>
+        <p:nvSpPr>
+          <p:cNvPr id="4" name="内容占位符 3"/>
           <p:cNvSpPr>
             <a:spLocks noGrp="1"/>
           </p:cNvSpPr>
@@ -1349,6 +1169,7 @@
               <a:rPr lang="zh-CN" altLang="en-US"/>
               <a:t>单击此处编辑母版文本样式</a:t>
             </a:r>
+            <a:endParaRPr lang="zh-CN" altLang="en-US"/>
           </a:p>
           <a:p>
             <a:pPr lvl="1"/>
@@ -1356,6 +1177,7 @@
               <a:rPr lang="zh-CN" altLang="en-US"/>
               <a:t>二级</a:t>
             </a:r>
+            <a:endParaRPr lang="zh-CN" altLang="en-US"/>
           </a:p>
           <a:p>
             <a:pPr lvl="2"/>
@@ -1363,6 +1185,7 @@
               <a:rPr lang="zh-CN" altLang="en-US"/>
               <a:t>三级</a:t>
             </a:r>
+            <a:endParaRPr lang="zh-CN" altLang="en-US"/>
           </a:p>
           <a:p>
             <a:pPr lvl="3"/>
@@ -1370,6 +1193,7 @@
               <a:rPr lang="zh-CN" altLang="en-US"/>
               <a:t>四级</a:t>
             </a:r>
+            <a:endParaRPr lang="zh-CN" altLang="en-US"/>
           </a:p>
           <a:p>
             <a:pPr lvl="4"/>
@@ -1377,18 +1201,13 @@
               <a:rPr lang="zh-CN" altLang="en-US"/>
               <a:t>五级</a:t>
             </a:r>
-          </a:p>
-        </p:txBody>
-      </p:sp>
-      <p:sp>
-        <p:nvSpPr>
-          <p:cNvPr id="5" name="日期占位符 4">
-            <a:extLst>
-              <a:ext uri="{FF2B5EF4-FFF2-40B4-BE49-F238E27FC236}">
-                <a16:creationId xmlns:a16="http://schemas.microsoft.com/office/drawing/2014/main" id="{27E96561-3876-4847-A548-8EF8438A69BD}"/>
-              </a:ext>
-            </a:extLst>
-          </p:cNvPr>
+            <a:endParaRPr lang="zh-CN" altLang="en-US"/>
+          </a:p>
+        </p:txBody>
+      </p:sp>
+      <p:sp>
+        <p:nvSpPr>
+          <p:cNvPr id="5" name="日期占位符 4"/>
           <p:cNvSpPr>
             <a:spLocks noGrp="1"/>
           </p:cNvSpPr>
@@ -1403,7 +1222,6 @@
           <a:p>
             <a:fld id="{F8EF9790-724A-4D00-AD06-B61DE59F3407}" type="datetimeFigureOut">
               <a:rPr lang="zh-CN" altLang="en-US" smtClean="0"/>
-              <a:t>2019/7/17</a:t>
             </a:fld>
             <a:endParaRPr lang="zh-CN" altLang="en-US"/>
           </a:p>
@@ -1411,13 +1229,7 @@
       </p:sp>
       <p:sp>
         <p:nvSpPr>
-          <p:cNvPr id="6" name="页脚占位符 5">
-            <a:extLst>
-              <a:ext uri="{FF2B5EF4-FFF2-40B4-BE49-F238E27FC236}">
-                <a16:creationId xmlns:a16="http://schemas.microsoft.com/office/drawing/2014/main" id="{52C30223-CFF0-4B42-8483-39E8CCCCBEE3}"/>
-              </a:ext>
-            </a:extLst>
-          </p:cNvPr>
+          <p:cNvPr id="6" name="页脚占位符 5"/>
           <p:cNvSpPr>
             <a:spLocks noGrp="1"/>
           </p:cNvSpPr>
@@ -1436,13 +1248,7 @@
       </p:sp>
       <p:sp>
         <p:nvSpPr>
-          <p:cNvPr id="7" name="灯片编号占位符 6">
-            <a:extLst>
-              <a:ext uri="{FF2B5EF4-FFF2-40B4-BE49-F238E27FC236}">
-                <a16:creationId xmlns:a16="http://schemas.microsoft.com/office/drawing/2014/main" id="{462156CD-6BC8-4398-A9CD-954F89869A30}"/>
-              </a:ext>
-            </a:extLst>
-          </p:cNvPr>
+          <p:cNvPr id="7" name="灯片编号占位符 6"/>
           <p:cNvSpPr>
             <a:spLocks noGrp="1"/>
           </p:cNvSpPr>
@@ -1457,18 +1263,12 @@
           <a:p>
             <a:fld id="{5DEFC233-BBFE-4C63-A5C0-8661928D08E0}" type="slidenum">
               <a:rPr lang="zh-CN" altLang="en-US" smtClean="0"/>
-              <a:t>‹#›</a:t>
             </a:fld>
             <a:endParaRPr lang="zh-CN" altLang="en-US"/>
           </a:p>
         </p:txBody>
       </p:sp>
     </p:spTree>
-    <p:extLst>
-      <p:ext uri="{BB962C8B-B14F-4D97-AF65-F5344CB8AC3E}">
-        <p14:creationId xmlns:p14="http://schemas.microsoft.com/office/powerpoint/2010/main" val="405773143"/>
-      </p:ext>
-    </p:extLst>
   </p:cSld>
   <p:clrMapOvr>
     <a:masterClrMapping/>
@@ -1495,13 +1295,7 @@
       </p:grpSpPr>
       <p:sp>
         <p:nvSpPr>
-          <p:cNvPr id="2" name="标题 1">
-            <a:extLst>
-              <a:ext uri="{FF2B5EF4-FFF2-40B4-BE49-F238E27FC236}">
-                <a16:creationId xmlns:a16="http://schemas.microsoft.com/office/drawing/2014/main" id="{D8C1741D-67C1-433C-8502-67D1CED9220C}"/>
-              </a:ext>
-            </a:extLst>
-          </p:cNvPr>
+          <p:cNvPr id="2" name="标题 1"/>
           <p:cNvSpPr>
             <a:spLocks noGrp="1"/>
           </p:cNvSpPr>
@@ -1523,18 +1317,13 @@
               <a:rPr lang="zh-CN" altLang="en-US"/>
               <a:t>单击此处编辑母版标题样式</a:t>
             </a:r>
-          </a:p>
-        </p:txBody>
-      </p:sp>
-      <p:sp>
-        <p:nvSpPr>
-          <p:cNvPr id="3" name="文本占位符 2">
-            <a:extLst>
-              <a:ext uri="{FF2B5EF4-FFF2-40B4-BE49-F238E27FC236}">
-                <a16:creationId xmlns:a16="http://schemas.microsoft.com/office/drawing/2014/main" id="{CBB632CA-2E91-4096-BFEC-24050BDF9CB8}"/>
-              </a:ext>
-            </a:extLst>
-          </p:cNvPr>
+            <a:endParaRPr lang="zh-CN" altLang="en-US"/>
+          </a:p>
+        </p:txBody>
+      </p:sp>
+      <p:sp>
+        <p:nvSpPr>
+          <p:cNvPr id="3" name="文本占位符 2"/>
           <p:cNvSpPr>
             <a:spLocks noGrp="1"/>
           </p:cNvSpPr>
@@ -1594,18 +1383,13 @@
               <a:rPr lang="zh-CN" altLang="en-US"/>
               <a:t>单击此处编辑母版文本样式</a:t>
             </a:r>
-          </a:p>
-        </p:txBody>
-      </p:sp>
-      <p:sp>
-        <p:nvSpPr>
-          <p:cNvPr id="4" name="内容占位符 3">
-            <a:extLst>
-              <a:ext uri="{FF2B5EF4-FFF2-40B4-BE49-F238E27FC236}">
-                <a16:creationId xmlns:a16="http://schemas.microsoft.com/office/drawing/2014/main" id="{7597B5D6-10D2-4FFC-B855-43BE68BAA955}"/>
-              </a:ext>
-            </a:extLst>
-          </p:cNvPr>
+            <a:endParaRPr lang="zh-CN" altLang="en-US"/>
+          </a:p>
+        </p:txBody>
+      </p:sp>
+      <p:sp>
+        <p:nvSpPr>
+          <p:cNvPr id="4" name="内容占位符 3"/>
           <p:cNvSpPr>
             <a:spLocks noGrp="1"/>
           </p:cNvSpPr>
@@ -1628,6 +1412,7 @@
               <a:rPr lang="zh-CN" altLang="en-US"/>
               <a:t>单击此处编辑母版文本样式</a:t>
             </a:r>
+            <a:endParaRPr lang="zh-CN" altLang="en-US"/>
           </a:p>
           <a:p>
             <a:pPr lvl="1"/>
@@ -1635,6 +1420,7 @@
               <a:rPr lang="zh-CN" altLang="en-US"/>
               <a:t>二级</a:t>
             </a:r>
+            <a:endParaRPr lang="zh-CN" altLang="en-US"/>
           </a:p>
           <a:p>
             <a:pPr lvl="2"/>
@@ -1642,6 +1428,7 @@
               <a:rPr lang="zh-CN" altLang="en-US"/>
               <a:t>三级</a:t>
             </a:r>
+            <a:endParaRPr lang="zh-CN" altLang="en-US"/>
           </a:p>
           <a:p>
             <a:pPr lvl="3"/>
@@ -1649,6 +1436,7 @@
               <a:rPr lang="zh-CN" altLang="en-US"/>
               <a:t>四级</a:t>
             </a:r>
+            <a:endParaRPr lang="zh-CN" altLang="en-US"/>
           </a:p>
           <a:p>
             <a:pPr lvl="4"/>
@@ -1656,18 +1444,13 @@
               <a:rPr lang="zh-CN" altLang="en-US"/>
               <a:t>五级</a:t>
             </a:r>
-          </a:p>
-        </p:txBody>
-      </p:sp>
-      <p:sp>
-        <p:nvSpPr>
-          <p:cNvPr id="5" name="文本占位符 4">
-            <a:extLst>
-              <a:ext uri="{FF2B5EF4-FFF2-40B4-BE49-F238E27FC236}">
-                <a16:creationId xmlns:a16="http://schemas.microsoft.com/office/drawing/2014/main" id="{ABA72091-721C-4ACE-BD65-0CF583C74073}"/>
-              </a:ext>
-            </a:extLst>
-          </p:cNvPr>
+            <a:endParaRPr lang="zh-CN" altLang="en-US"/>
+          </a:p>
+        </p:txBody>
+      </p:sp>
+      <p:sp>
+        <p:nvSpPr>
+          <p:cNvPr id="5" name="文本占位符 4"/>
           <p:cNvSpPr>
             <a:spLocks noGrp="1"/>
           </p:cNvSpPr>
@@ -1727,18 +1510,13 @@
               <a:rPr lang="zh-CN" altLang="en-US"/>
               <a:t>单击此处编辑母版文本样式</a:t>
             </a:r>
-          </a:p>
-        </p:txBody>
-      </p:sp>
-      <p:sp>
-        <p:nvSpPr>
-          <p:cNvPr id="6" name="内容占位符 5">
-            <a:extLst>
-              <a:ext uri="{FF2B5EF4-FFF2-40B4-BE49-F238E27FC236}">
-                <a16:creationId xmlns:a16="http://schemas.microsoft.com/office/drawing/2014/main" id="{6A06D08D-B840-456F-B6EC-96E90539CEDF}"/>
-              </a:ext>
-            </a:extLst>
-          </p:cNvPr>
+            <a:endParaRPr lang="zh-CN" altLang="en-US"/>
+          </a:p>
+        </p:txBody>
+      </p:sp>
+      <p:sp>
+        <p:nvSpPr>
+          <p:cNvPr id="6" name="内容占位符 5"/>
           <p:cNvSpPr>
             <a:spLocks noGrp="1"/>
           </p:cNvSpPr>
@@ -1761,6 +1539,7 @@
               <a:rPr lang="zh-CN" altLang="en-US"/>
               <a:t>单击此处编辑母版文本样式</a:t>
             </a:r>
+            <a:endParaRPr lang="zh-CN" altLang="en-US"/>
           </a:p>
           <a:p>
             <a:pPr lvl="1"/>
@@ -1768,6 +1547,7 @@
               <a:rPr lang="zh-CN" altLang="en-US"/>
               <a:t>二级</a:t>
             </a:r>
+            <a:endParaRPr lang="zh-CN" altLang="en-US"/>
           </a:p>
           <a:p>
             <a:pPr lvl="2"/>
@@ -1775,6 +1555,7 @@
               <a:rPr lang="zh-CN" altLang="en-US"/>
               <a:t>三级</a:t>
             </a:r>
+            <a:endParaRPr lang="zh-CN" altLang="en-US"/>
           </a:p>
           <a:p>
             <a:pPr lvl="3"/>
@@ -1782,6 +1563,7 @@
               <a:rPr lang="zh-CN" altLang="en-US"/>
               <a:t>四级</a:t>
             </a:r>
+            <a:endParaRPr lang="zh-CN" altLang="en-US"/>
           </a:p>
           <a:p>
             <a:pPr lvl="4"/>
@@ -1789,18 +1571,13 @@
               <a:rPr lang="zh-CN" altLang="en-US"/>
               <a:t>五级</a:t>
             </a:r>
-          </a:p>
-        </p:txBody>
-      </p:sp>
-      <p:sp>
-        <p:nvSpPr>
-          <p:cNvPr id="7" name="日期占位符 6">
-            <a:extLst>
-              <a:ext uri="{FF2B5EF4-FFF2-40B4-BE49-F238E27FC236}">
-                <a16:creationId xmlns:a16="http://schemas.microsoft.com/office/drawing/2014/main" id="{C6B0C4D9-959D-4CAC-8DA3-61089DE49372}"/>
-              </a:ext>
-            </a:extLst>
-          </p:cNvPr>
+            <a:endParaRPr lang="zh-CN" altLang="en-US"/>
+          </a:p>
+        </p:txBody>
+      </p:sp>
+      <p:sp>
+        <p:nvSpPr>
+          <p:cNvPr id="7" name="日期占位符 6"/>
           <p:cNvSpPr>
             <a:spLocks noGrp="1"/>
           </p:cNvSpPr>
@@ -1815,7 +1592,6 @@
           <a:p>
             <a:fld id="{F8EF9790-724A-4D00-AD06-B61DE59F3407}" type="datetimeFigureOut">
               <a:rPr lang="zh-CN" altLang="en-US" smtClean="0"/>
-              <a:t>2019/7/17</a:t>
             </a:fld>
             <a:endParaRPr lang="zh-CN" altLang="en-US"/>
           </a:p>
@@ -1823,13 +1599,7 @@
       </p:sp>
       <p:sp>
         <p:nvSpPr>
-          <p:cNvPr id="8" name="页脚占位符 7">
-            <a:extLst>
-              <a:ext uri="{FF2B5EF4-FFF2-40B4-BE49-F238E27FC236}">
-                <a16:creationId xmlns:a16="http://schemas.microsoft.com/office/drawing/2014/main" id="{CFD035E4-E276-4ABF-8B2F-998398EE453B}"/>
-              </a:ext>
-            </a:extLst>
-          </p:cNvPr>
+          <p:cNvPr id="8" name="页脚占位符 7"/>
           <p:cNvSpPr>
             <a:spLocks noGrp="1"/>
           </p:cNvSpPr>
@@ -1848,13 +1618,7 @@
       </p:sp>
       <p:sp>
         <p:nvSpPr>
-          <p:cNvPr id="9" name="灯片编号占位符 8">
-            <a:extLst>
-              <a:ext uri="{FF2B5EF4-FFF2-40B4-BE49-F238E27FC236}">
-                <a16:creationId xmlns:a16="http://schemas.microsoft.com/office/drawing/2014/main" id="{8A4CC53B-DF15-498E-A8AC-B77D8483CD5A}"/>
-              </a:ext>
-            </a:extLst>
-          </p:cNvPr>
+          <p:cNvPr id="9" name="灯片编号占位符 8"/>
           <p:cNvSpPr>
             <a:spLocks noGrp="1"/>
           </p:cNvSpPr>
@@ -1869,18 +1633,12 @@
           <a:p>
             <a:fld id="{5DEFC233-BBFE-4C63-A5C0-8661928D08E0}" type="slidenum">
               <a:rPr lang="zh-CN" altLang="en-US" smtClean="0"/>
-              <a:t>‹#›</a:t>
             </a:fld>
             <a:endParaRPr lang="zh-CN" altLang="en-US"/>
           </a:p>
         </p:txBody>
       </p:sp>
     </p:spTree>
-    <p:extLst>
-      <p:ext uri="{BB962C8B-B14F-4D97-AF65-F5344CB8AC3E}">
-        <p14:creationId xmlns:p14="http://schemas.microsoft.com/office/powerpoint/2010/main" val="117043088"/>
-      </p:ext>
-    </p:extLst>
   </p:cSld>
   <p:clrMapOvr>
     <a:masterClrMapping/>
@@ -1907,13 +1665,7 @@
       </p:grpSpPr>
       <p:sp>
         <p:nvSpPr>
-          <p:cNvPr id="2" name="标题 1">
-            <a:extLst>
-              <a:ext uri="{FF2B5EF4-FFF2-40B4-BE49-F238E27FC236}">
-                <a16:creationId xmlns:a16="http://schemas.microsoft.com/office/drawing/2014/main" id="{4045BE99-BF1F-4699-A7F6-B8E49DA228A6}"/>
-              </a:ext>
-            </a:extLst>
-          </p:cNvPr>
+          <p:cNvPr id="2" name="标题 1"/>
           <p:cNvSpPr>
             <a:spLocks noGrp="1"/>
           </p:cNvSpPr>
@@ -1930,18 +1682,13 @@
               <a:rPr lang="zh-CN" altLang="en-US"/>
               <a:t>单击此处编辑母版标题样式</a:t>
             </a:r>
-          </a:p>
-        </p:txBody>
-      </p:sp>
-      <p:sp>
-        <p:nvSpPr>
-          <p:cNvPr id="3" name="日期占位符 2">
-            <a:extLst>
-              <a:ext uri="{FF2B5EF4-FFF2-40B4-BE49-F238E27FC236}">
-                <a16:creationId xmlns:a16="http://schemas.microsoft.com/office/drawing/2014/main" id="{B807EFEC-B9D2-4ADD-BD58-DCB83BD88448}"/>
-              </a:ext>
-            </a:extLst>
-          </p:cNvPr>
+            <a:endParaRPr lang="zh-CN" altLang="en-US"/>
+          </a:p>
+        </p:txBody>
+      </p:sp>
+      <p:sp>
+        <p:nvSpPr>
+          <p:cNvPr id="3" name="日期占位符 2"/>
           <p:cNvSpPr>
             <a:spLocks noGrp="1"/>
           </p:cNvSpPr>
@@ -1956,7 +1703,6 @@
           <a:p>
             <a:fld id="{F8EF9790-724A-4D00-AD06-B61DE59F3407}" type="datetimeFigureOut">
               <a:rPr lang="zh-CN" altLang="en-US" smtClean="0"/>
-              <a:t>2019/7/17</a:t>
             </a:fld>
             <a:endParaRPr lang="zh-CN" altLang="en-US"/>
           </a:p>
@@ -1964,13 +1710,7 @@
       </p:sp>
       <p:sp>
         <p:nvSpPr>
-          <p:cNvPr id="4" name="页脚占位符 3">
-            <a:extLst>
-              <a:ext uri="{FF2B5EF4-FFF2-40B4-BE49-F238E27FC236}">
-                <a16:creationId xmlns:a16="http://schemas.microsoft.com/office/drawing/2014/main" id="{B9DD426F-D8B5-486C-A7D7-035AE23B891E}"/>
-              </a:ext>
-            </a:extLst>
-          </p:cNvPr>
+          <p:cNvPr id="4" name="页脚占位符 3"/>
           <p:cNvSpPr>
             <a:spLocks noGrp="1"/>
           </p:cNvSpPr>
@@ -1989,13 +1729,7 @@
       </p:sp>
       <p:sp>
         <p:nvSpPr>
-          <p:cNvPr id="5" name="灯片编号占位符 4">
-            <a:extLst>
-              <a:ext uri="{FF2B5EF4-FFF2-40B4-BE49-F238E27FC236}">
-                <a16:creationId xmlns:a16="http://schemas.microsoft.com/office/drawing/2014/main" id="{3ACE03B3-5ED2-48EE-87D8-7E61A1A341C4}"/>
-              </a:ext>
-            </a:extLst>
-          </p:cNvPr>
+          <p:cNvPr id="5" name="灯片编号占位符 4"/>
           <p:cNvSpPr>
             <a:spLocks noGrp="1"/>
           </p:cNvSpPr>
@@ -2010,18 +1744,12 @@
           <a:p>
             <a:fld id="{5DEFC233-BBFE-4C63-A5C0-8661928D08E0}" type="slidenum">
               <a:rPr lang="zh-CN" altLang="en-US" smtClean="0"/>
-              <a:t>‹#›</a:t>
             </a:fld>
             <a:endParaRPr lang="zh-CN" altLang="en-US"/>
           </a:p>
         </p:txBody>
       </p:sp>
     </p:spTree>
-    <p:extLst>
-      <p:ext uri="{BB962C8B-B14F-4D97-AF65-F5344CB8AC3E}">
-        <p14:creationId xmlns:p14="http://schemas.microsoft.com/office/powerpoint/2010/main" val="868550774"/>
-      </p:ext>
-    </p:extLst>
   </p:cSld>
   <p:clrMapOvr>
     <a:masterClrMapping/>
@@ -2048,13 +1776,7 @@
       </p:grpSpPr>
       <p:sp>
         <p:nvSpPr>
-          <p:cNvPr id="2" name="日期占位符 1">
-            <a:extLst>
-              <a:ext uri="{FF2B5EF4-FFF2-40B4-BE49-F238E27FC236}">
-                <a16:creationId xmlns:a16="http://schemas.microsoft.com/office/drawing/2014/main" id="{D59C530E-CF86-43E2-91E3-8FF243BC1D98}"/>
-              </a:ext>
-            </a:extLst>
-          </p:cNvPr>
+          <p:cNvPr id="2" name="日期占位符 1"/>
           <p:cNvSpPr>
             <a:spLocks noGrp="1"/>
           </p:cNvSpPr>
@@ -2069,7 +1791,6 @@
           <a:p>
             <a:fld id="{F8EF9790-724A-4D00-AD06-B61DE59F3407}" type="datetimeFigureOut">
               <a:rPr lang="zh-CN" altLang="en-US" smtClean="0"/>
-              <a:t>2019/7/17</a:t>
             </a:fld>
             <a:endParaRPr lang="zh-CN" altLang="en-US"/>
           </a:p>
@@ -2077,13 +1798,7 @@
       </p:sp>
       <p:sp>
         <p:nvSpPr>
-          <p:cNvPr id="3" name="页脚占位符 2">
-            <a:extLst>
-              <a:ext uri="{FF2B5EF4-FFF2-40B4-BE49-F238E27FC236}">
-                <a16:creationId xmlns:a16="http://schemas.microsoft.com/office/drawing/2014/main" id="{7CFF76B7-AA17-44C5-A2C3-44430EB7F7F1}"/>
-              </a:ext>
-            </a:extLst>
-          </p:cNvPr>
+          <p:cNvPr id="3" name="页脚占位符 2"/>
           <p:cNvSpPr>
             <a:spLocks noGrp="1"/>
           </p:cNvSpPr>
@@ -2102,13 +1817,7 @@
       </p:sp>
       <p:sp>
         <p:nvSpPr>
-          <p:cNvPr id="4" name="灯片编号占位符 3">
-            <a:extLst>
-              <a:ext uri="{FF2B5EF4-FFF2-40B4-BE49-F238E27FC236}">
-                <a16:creationId xmlns:a16="http://schemas.microsoft.com/office/drawing/2014/main" id="{9B367E23-3F85-4311-97EA-567ADFBC11E1}"/>
-              </a:ext>
-            </a:extLst>
-          </p:cNvPr>
+          <p:cNvPr id="4" name="灯片编号占位符 3"/>
           <p:cNvSpPr>
             <a:spLocks noGrp="1"/>
           </p:cNvSpPr>
@@ -2123,18 +1832,12 @@
           <a:p>
             <a:fld id="{5DEFC233-BBFE-4C63-A5C0-8661928D08E0}" type="slidenum">
               <a:rPr lang="zh-CN" altLang="en-US" smtClean="0"/>
-              <a:t>‹#›</a:t>
             </a:fld>
             <a:endParaRPr lang="zh-CN" altLang="en-US"/>
           </a:p>
         </p:txBody>
       </p:sp>
     </p:spTree>
-    <p:extLst>
-      <p:ext uri="{BB962C8B-B14F-4D97-AF65-F5344CB8AC3E}">
-        <p14:creationId xmlns:p14="http://schemas.microsoft.com/office/powerpoint/2010/main" val="1482193711"/>
-      </p:ext>
-    </p:extLst>
   </p:cSld>
   <p:clrMapOvr>
     <a:masterClrMapping/>
@@ -2161,13 +1864,7 @@
       </p:grpSpPr>
       <p:sp>
         <p:nvSpPr>
-          <p:cNvPr id="2" name="标题 1">
-            <a:extLst>
-              <a:ext uri="{FF2B5EF4-FFF2-40B4-BE49-F238E27FC236}">
-                <a16:creationId xmlns:a16="http://schemas.microsoft.com/office/drawing/2014/main" id="{BA06366E-5987-4D1E-AF66-EA0A18B78EAD}"/>
-              </a:ext>
-            </a:extLst>
-          </p:cNvPr>
+          <p:cNvPr id="2" name="标题 1"/>
           <p:cNvSpPr>
             <a:spLocks noGrp="1"/>
           </p:cNvSpPr>
@@ -2193,18 +1890,13 @@
               <a:rPr lang="zh-CN" altLang="en-US"/>
               <a:t>单击此处编辑母版标题样式</a:t>
             </a:r>
-          </a:p>
-        </p:txBody>
-      </p:sp>
-      <p:sp>
-        <p:nvSpPr>
-          <p:cNvPr id="3" name="内容占位符 2">
-            <a:extLst>
-              <a:ext uri="{FF2B5EF4-FFF2-40B4-BE49-F238E27FC236}">
-                <a16:creationId xmlns:a16="http://schemas.microsoft.com/office/drawing/2014/main" id="{6068C386-46AB-4FF3-ACC5-A26B9BEDC298}"/>
-              </a:ext>
-            </a:extLst>
-          </p:cNvPr>
+            <a:endParaRPr lang="zh-CN" altLang="en-US"/>
+          </a:p>
+        </p:txBody>
+      </p:sp>
+      <p:sp>
+        <p:nvSpPr>
+          <p:cNvPr id="3" name="内容占位符 2"/>
           <p:cNvSpPr>
             <a:spLocks noGrp="1"/>
           </p:cNvSpPr>
@@ -2255,6 +1947,7 @@
               <a:rPr lang="zh-CN" altLang="en-US"/>
               <a:t>单击此处编辑母版文本样式</a:t>
             </a:r>
+            <a:endParaRPr lang="zh-CN" altLang="en-US"/>
           </a:p>
           <a:p>
             <a:pPr lvl="1"/>
@@ -2262,6 +1955,7 @@
               <a:rPr lang="zh-CN" altLang="en-US"/>
               <a:t>二级</a:t>
             </a:r>
+            <a:endParaRPr lang="zh-CN" altLang="en-US"/>
           </a:p>
           <a:p>
             <a:pPr lvl="2"/>
@@ -2269,6 +1963,7 @@
               <a:rPr lang="zh-CN" altLang="en-US"/>
               <a:t>三级</a:t>
             </a:r>
+            <a:endParaRPr lang="zh-CN" altLang="en-US"/>
           </a:p>
           <a:p>
             <a:pPr lvl="3"/>
@@ -2276,6 +1971,7 @@
               <a:rPr lang="zh-CN" altLang="en-US"/>
               <a:t>四级</a:t>
             </a:r>
+            <a:endParaRPr lang="zh-CN" altLang="en-US"/>
           </a:p>
           <a:p>
             <a:pPr lvl="4"/>
@@ -2283,18 +1979,13 @@
               <a:rPr lang="zh-CN" altLang="en-US"/>
               <a:t>五级</a:t>
             </a:r>
-          </a:p>
-        </p:txBody>
-      </p:sp>
-      <p:sp>
-        <p:nvSpPr>
-          <p:cNvPr id="4" name="文本占位符 3">
-            <a:extLst>
-              <a:ext uri="{FF2B5EF4-FFF2-40B4-BE49-F238E27FC236}">
-                <a16:creationId xmlns:a16="http://schemas.microsoft.com/office/drawing/2014/main" id="{78893F6E-41A6-4CA7-96D5-98E44B4EAD3D}"/>
-              </a:ext>
-            </a:extLst>
-          </p:cNvPr>
+            <a:endParaRPr lang="zh-CN" altLang="en-US"/>
+          </a:p>
+        </p:txBody>
+      </p:sp>
+      <p:sp>
+        <p:nvSpPr>
+          <p:cNvPr id="4" name="文本占位符 3"/>
           <p:cNvSpPr>
             <a:spLocks noGrp="1"/>
           </p:cNvSpPr>
@@ -2354,18 +2045,13 @@
               <a:rPr lang="zh-CN" altLang="en-US"/>
               <a:t>单击此处编辑母版文本样式</a:t>
             </a:r>
-          </a:p>
-        </p:txBody>
-      </p:sp>
-      <p:sp>
-        <p:nvSpPr>
-          <p:cNvPr id="5" name="日期占位符 4">
-            <a:extLst>
-              <a:ext uri="{FF2B5EF4-FFF2-40B4-BE49-F238E27FC236}">
-                <a16:creationId xmlns:a16="http://schemas.microsoft.com/office/drawing/2014/main" id="{83FFD0BC-8600-49F9-A807-CB9A98D1B318}"/>
-              </a:ext>
-            </a:extLst>
-          </p:cNvPr>
+            <a:endParaRPr lang="zh-CN" altLang="en-US"/>
+          </a:p>
+        </p:txBody>
+      </p:sp>
+      <p:sp>
+        <p:nvSpPr>
+          <p:cNvPr id="5" name="日期占位符 4"/>
           <p:cNvSpPr>
             <a:spLocks noGrp="1"/>
           </p:cNvSpPr>
@@ -2380,7 +2066,6 @@
           <a:p>
             <a:fld id="{F8EF9790-724A-4D00-AD06-B61DE59F3407}" type="datetimeFigureOut">
               <a:rPr lang="zh-CN" altLang="en-US" smtClean="0"/>
-              <a:t>2019/7/17</a:t>
             </a:fld>
             <a:endParaRPr lang="zh-CN" altLang="en-US"/>
           </a:p>
@@ -2388,13 +2073,7 @@
       </p:sp>
       <p:sp>
         <p:nvSpPr>
-          <p:cNvPr id="6" name="页脚占位符 5">
-            <a:extLst>
-              <a:ext uri="{FF2B5EF4-FFF2-40B4-BE49-F238E27FC236}">
-                <a16:creationId xmlns:a16="http://schemas.microsoft.com/office/drawing/2014/main" id="{CD611B99-9B6B-4310-881D-B28AFAC211E0}"/>
-              </a:ext>
-            </a:extLst>
-          </p:cNvPr>
+          <p:cNvPr id="6" name="页脚占位符 5"/>
           <p:cNvSpPr>
             <a:spLocks noGrp="1"/>
           </p:cNvSpPr>
@@ -2413,13 +2092,7 @@
       </p:sp>
       <p:sp>
         <p:nvSpPr>
-          <p:cNvPr id="7" name="灯片编号占位符 6">
-            <a:extLst>
-              <a:ext uri="{FF2B5EF4-FFF2-40B4-BE49-F238E27FC236}">
-                <a16:creationId xmlns:a16="http://schemas.microsoft.com/office/drawing/2014/main" id="{9C5D6D53-AEA4-4BC8-9B31-D3CDF6B502D7}"/>
-              </a:ext>
-            </a:extLst>
-          </p:cNvPr>
+          <p:cNvPr id="7" name="灯片编号占位符 6"/>
           <p:cNvSpPr>
             <a:spLocks noGrp="1"/>
           </p:cNvSpPr>
@@ -2434,18 +2107,12 @@
           <a:p>
             <a:fld id="{5DEFC233-BBFE-4C63-A5C0-8661928D08E0}" type="slidenum">
               <a:rPr lang="zh-CN" altLang="en-US" smtClean="0"/>
-              <a:t>‹#›</a:t>
             </a:fld>
             <a:endParaRPr lang="zh-CN" altLang="en-US"/>
           </a:p>
         </p:txBody>
       </p:sp>
     </p:spTree>
-    <p:extLst>
-      <p:ext uri="{BB962C8B-B14F-4D97-AF65-F5344CB8AC3E}">
-        <p14:creationId xmlns:p14="http://schemas.microsoft.com/office/powerpoint/2010/main" val="80785630"/>
-      </p:ext>
-    </p:extLst>
   </p:cSld>
   <p:clrMapOvr>
     <a:masterClrMapping/>
@@ -2472,13 +2139,7 @@
       </p:grpSpPr>
       <p:sp>
         <p:nvSpPr>
-          <p:cNvPr id="2" name="标题 1">
-            <a:extLst>
-              <a:ext uri="{FF2B5EF4-FFF2-40B4-BE49-F238E27FC236}">
-                <a16:creationId xmlns:a16="http://schemas.microsoft.com/office/drawing/2014/main" id="{21DD7341-D45E-47CB-AA7C-4D423D7433FB}"/>
-              </a:ext>
-            </a:extLst>
-          </p:cNvPr>
+          <p:cNvPr id="2" name="标题 1"/>
           <p:cNvSpPr>
             <a:spLocks noGrp="1"/>
           </p:cNvSpPr>
@@ -2504,18 +2165,13 @@
               <a:rPr lang="zh-CN" altLang="en-US"/>
               <a:t>单击此处编辑母版标题样式</a:t>
             </a:r>
-          </a:p>
-        </p:txBody>
-      </p:sp>
-      <p:sp>
-        <p:nvSpPr>
-          <p:cNvPr id="3" name="图片占位符 2">
-            <a:extLst>
-              <a:ext uri="{FF2B5EF4-FFF2-40B4-BE49-F238E27FC236}">
-                <a16:creationId xmlns:a16="http://schemas.microsoft.com/office/drawing/2014/main" id="{A95CC864-66B9-4C58-A48D-75999A9933D6}"/>
-              </a:ext>
-            </a:extLst>
-          </p:cNvPr>
+            <a:endParaRPr lang="zh-CN" altLang="en-US"/>
+          </a:p>
+        </p:txBody>
+      </p:sp>
+      <p:sp>
+        <p:nvSpPr>
+          <p:cNvPr id="3" name="图片占位符 2"/>
           <p:cNvSpPr>
             <a:spLocks noGrp="1"/>
           </p:cNvSpPr>
@@ -2576,13 +2232,7 @@
       </p:sp>
       <p:sp>
         <p:nvSpPr>
-          <p:cNvPr id="4" name="文本占位符 3">
-            <a:extLst>
-              <a:ext uri="{FF2B5EF4-FFF2-40B4-BE49-F238E27FC236}">
-                <a16:creationId xmlns:a16="http://schemas.microsoft.com/office/drawing/2014/main" id="{23F915F0-E948-454B-ADC5-FD662F7A1B4F}"/>
-              </a:ext>
-            </a:extLst>
-          </p:cNvPr>
+          <p:cNvPr id="4" name="文本占位符 3"/>
           <p:cNvSpPr>
             <a:spLocks noGrp="1"/>
           </p:cNvSpPr>
@@ -2642,18 +2292,13 @@
               <a:rPr lang="zh-CN" altLang="en-US"/>
               <a:t>单击此处编辑母版文本样式</a:t>
             </a:r>
-          </a:p>
-        </p:txBody>
-      </p:sp>
-      <p:sp>
-        <p:nvSpPr>
-          <p:cNvPr id="5" name="日期占位符 4">
-            <a:extLst>
-              <a:ext uri="{FF2B5EF4-FFF2-40B4-BE49-F238E27FC236}">
-                <a16:creationId xmlns:a16="http://schemas.microsoft.com/office/drawing/2014/main" id="{41F38EE8-4F46-4FF9-AE01-92F9D6128E62}"/>
-              </a:ext>
-            </a:extLst>
-          </p:cNvPr>
+            <a:endParaRPr lang="zh-CN" altLang="en-US"/>
+          </a:p>
+        </p:txBody>
+      </p:sp>
+      <p:sp>
+        <p:nvSpPr>
+          <p:cNvPr id="5" name="日期占位符 4"/>
           <p:cNvSpPr>
             <a:spLocks noGrp="1"/>
           </p:cNvSpPr>
@@ -2668,7 +2313,6 @@
           <a:p>
             <a:fld id="{F8EF9790-724A-4D00-AD06-B61DE59F3407}" type="datetimeFigureOut">
               <a:rPr lang="zh-CN" altLang="en-US" smtClean="0"/>
-              <a:t>2019/7/17</a:t>
             </a:fld>
             <a:endParaRPr lang="zh-CN" altLang="en-US"/>
           </a:p>
@@ -2676,13 +2320,7 @@
       </p:sp>
       <p:sp>
         <p:nvSpPr>
-          <p:cNvPr id="6" name="页脚占位符 5">
-            <a:extLst>
-              <a:ext uri="{FF2B5EF4-FFF2-40B4-BE49-F238E27FC236}">
-                <a16:creationId xmlns:a16="http://schemas.microsoft.com/office/drawing/2014/main" id="{46CC07F3-B869-4C7D-B6F3-45298859EE9B}"/>
-              </a:ext>
-            </a:extLst>
-          </p:cNvPr>
+          <p:cNvPr id="6" name="页脚占位符 5"/>
           <p:cNvSpPr>
             <a:spLocks noGrp="1"/>
           </p:cNvSpPr>
@@ -2701,13 +2339,7 @@
       </p:sp>
       <p:sp>
         <p:nvSpPr>
-          <p:cNvPr id="7" name="灯片编号占位符 6">
-            <a:extLst>
-              <a:ext uri="{FF2B5EF4-FFF2-40B4-BE49-F238E27FC236}">
-                <a16:creationId xmlns:a16="http://schemas.microsoft.com/office/drawing/2014/main" id="{FBCBE7DE-38F4-4E2A-B3FF-4BE2D3F5E156}"/>
-              </a:ext>
-            </a:extLst>
-          </p:cNvPr>
+          <p:cNvPr id="7" name="灯片编号占位符 6"/>
           <p:cNvSpPr>
             <a:spLocks noGrp="1"/>
           </p:cNvSpPr>
@@ -2722,18 +2354,12 @@
           <a:p>
             <a:fld id="{5DEFC233-BBFE-4C63-A5C0-8661928D08E0}" type="slidenum">
               <a:rPr lang="zh-CN" altLang="en-US" smtClean="0"/>
-              <a:t>‹#›</a:t>
             </a:fld>
             <a:endParaRPr lang="zh-CN" altLang="en-US"/>
           </a:p>
         </p:txBody>
       </p:sp>
     </p:spTree>
-    <p:extLst>
-      <p:ext uri="{BB962C8B-B14F-4D97-AF65-F5344CB8AC3E}">
-        <p14:creationId xmlns:p14="http://schemas.microsoft.com/office/powerpoint/2010/main" val="4017029297"/>
-      </p:ext>
-    </p:extLst>
   </p:cSld>
   <p:clrMapOvr>
     <a:masterClrMapping/>
@@ -2765,13 +2391,7 @@
       </p:grpSpPr>
       <p:sp>
         <p:nvSpPr>
-          <p:cNvPr id="2" name="标题占位符 1">
-            <a:extLst>
-              <a:ext uri="{FF2B5EF4-FFF2-40B4-BE49-F238E27FC236}">
-                <a16:creationId xmlns:a16="http://schemas.microsoft.com/office/drawing/2014/main" id="{8EBDA78E-D455-4E89-984B-A39B3971F9C4}"/>
-              </a:ext>
-            </a:extLst>
-          </p:cNvPr>
+          <p:cNvPr id="2" name="标题占位符 1"/>
           <p:cNvSpPr>
             <a:spLocks noGrp="1"/>
           </p:cNvSpPr>
@@ -2798,18 +2418,13 @@
               <a:rPr lang="zh-CN" altLang="en-US"/>
               <a:t>单击此处编辑母版标题样式</a:t>
             </a:r>
-          </a:p>
-        </p:txBody>
-      </p:sp>
-      <p:sp>
-        <p:nvSpPr>
-          <p:cNvPr id="3" name="文本占位符 2">
-            <a:extLst>
-              <a:ext uri="{FF2B5EF4-FFF2-40B4-BE49-F238E27FC236}">
-                <a16:creationId xmlns:a16="http://schemas.microsoft.com/office/drawing/2014/main" id="{19FE7E6B-AF16-4033-AA14-09109DB2AFD5}"/>
-              </a:ext>
-            </a:extLst>
-          </p:cNvPr>
+            <a:endParaRPr lang="zh-CN" altLang="en-US"/>
+          </a:p>
+        </p:txBody>
+      </p:sp>
+      <p:sp>
+        <p:nvSpPr>
+          <p:cNvPr id="3" name="文本占位符 2"/>
           <p:cNvSpPr>
             <a:spLocks noGrp="1"/>
           </p:cNvSpPr>
@@ -2837,6 +2452,7 @@
               <a:rPr lang="zh-CN" altLang="en-US"/>
               <a:t>单击此处编辑母版文本样式</a:t>
             </a:r>
+            <a:endParaRPr lang="zh-CN" altLang="en-US"/>
           </a:p>
           <a:p>
             <a:pPr lvl="1"/>
@@ -2844,6 +2460,7 @@
               <a:rPr lang="zh-CN" altLang="en-US"/>
               <a:t>二级</a:t>
             </a:r>
+            <a:endParaRPr lang="zh-CN" altLang="en-US"/>
           </a:p>
           <a:p>
             <a:pPr lvl="2"/>
@@ -2851,6 +2468,7 @@
               <a:rPr lang="zh-CN" altLang="en-US"/>
               <a:t>三级</a:t>
             </a:r>
+            <a:endParaRPr lang="zh-CN" altLang="en-US"/>
           </a:p>
           <a:p>
             <a:pPr lvl="3"/>
@@ -2858,6 +2476,7 @@
               <a:rPr lang="zh-CN" altLang="en-US"/>
               <a:t>四级</a:t>
             </a:r>
+            <a:endParaRPr lang="zh-CN" altLang="en-US"/>
           </a:p>
           <a:p>
             <a:pPr lvl="4"/>
@@ -2865,18 +2484,13 @@
               <a:rPr lang="zh-CN" altLang="en-US"/>
               <a:t>五级</a:t>
             </a:r>
-          </a:p>
-        </p:txBody>
-      </p:sp>
-      <p:sp>
-        <p:nvSpPr>
-          <p:cNvPr id="4" name="日期占位符 3">
-            <a:extLst>
-              <a:ext uri="{FF2B5EF4-FFF2-40B4-BE49-F238E27FC236}">
-                <a16:creationId xmlns:a16="http://schemas.microsoft.com/office/drawing/2014/main" id="{D76D03B0-470D-4FB7-AFD1-9F498EA915CC}"/>
-              </a:ext>
-            </a:extLst>
-          </p:cNvPr>
+            <a:endParaRPr lang="zh-CN" altLang="en-US"/>
+          </a:p>
+        </p:txBody>
+      </p:sp>
+      <p:sp>
+        <p:nvSpPr>
+          <p:cNvPr id="4" name="日期占位符 3"/>
           <p:cNvSpPr>
             <a:spLocks noGrp="1"/>
           </p:cNvSpPr>
@@ -2909,7 +2523,6 @@
           <a:p>
             <a:fld id="{F8EF9790-724A-4D00-AD06-B61DE59F3407}" type="datetimeFigureOut">
               <a:rPr lang="zh-CN" altLang="en-US" smtClean="0"/>
-              <a:t>2019/7/17</a:t>
             </a:fld>
             <a:endParaRPr lang="zh-CN" altLang="en-US"/>
           </a:p>
@@ -2917,13 +2530,7 @@
       </p:sp>
       <p:sp>
         <p:nvSpPr>
-          <p:cNvPr id="5" name="页脚占位符 4">
-            <a:extLst>
-              <a:ext uri="{FF2B5EF4-FFF2-40B4-BE49-F238E27FC236}">
-                <a16:creationId xmlns:a16="http://schemas.microsoft.com/office/drawing/2014/main" id="{1D578F80-6EDA-4510-8817-CA444C7709B3}"/>
-              </a:ext>
-            </a:extLst>
-          </p:cNvPr>
+          <p:cNvPr id="5" name="页脚占位符 4"/>
           <p:cNvSpPr>
             <a:spLocks noGrp="1"/>
           </p:cNvSpPr>
@@ -2960,13 +2567,7 @@
       </p:sp>
       <p:sp>
         <p:nvSpPr>
-          <p:cNvPr id="6" name="灯片编号占位符 5">
-            <a:extLst>
-              <a:ext uri="{FF2B5EF4-FFF2-40B4-BE49-F238E27FC236}">
-                <a16:creationId xmlns:a16="http://schemas.microsoft.com/office/drawing/2014/main" id="{8246378C-2F96-4E82-8447-0B346EB2C68F}"/>
-              </a:ext>
-            </a:extLst>
-          </p:cNvPr>
+          <p:cNvPr id="6" name="灯片编号占位符 5"/>
           <p:cNvSpPr>
             <a:spLocks noGrp="1"/>
           </p:cNvSpPr>
@@ -2999,18 +2600,12 @@
           <a:p>
             <a:fld id="{5DEFC233-BBFE-4C63-A5C0-8661928D08E0}" type="slidenum">
               <a:rPr lang="zh-CN" altLang="en-US" smtClean="0"/>
-              <a:t>‹#›</a:t>
             </a:fld>
             <a:endParaRPr lang="zh-CN" altLang="en-US"/>
           </a:p>
         </p:txBody>
       </p:sp>
     </p:spTree>
-    <p:extLst>
-      <p:ext uri="{BB962C8B-B14F-4D97-AF65-F5344CB8AC3E}">
-        <p14:creationId xmlns:p14="http://schemas.microsoft.com/office/powerpoint/2010/main" val="4009139382"/>
-      </p:ext>
-    </p:extLst>
   </p:cSld>
   <p:clrMap bg1="lt1" tx1="dk1" bg2="lt2" tx2="dk2" accent1="accent1" accent2="accent2" accent3="accent3" accent4="accent4" accent5="accent5" accent6="accent6" hlink="hlink" folHlink="folHlink"/>
   <p:sldLayoutIdLst>
@@ -3328,13 +2923,7 @@
       </p:grpSpPr>
       <p:sp>
         <p:nvSpPr>
-          <p:cNvPr id="80" name="矩形 79">
-            <a:extLst>
-              <a:ext uri="{FF2B5EF4-FFF2-40B4-BE49-F238E27FC236}">
-                <a16:creationId xmlns:a16="http://schemas.microsoft.com/office/drawing/2014/main" id="{FE94EE0B-EAF7-4282-9817-E6A0A990C562}"/>
-              </a:ext>
-            </a:extLst>
-          </p:cNvPr>
+          <p:cNvPr id="80" name="矩形 79"/>
           <p:cNvSpPr/>
           <p:nvPr/>
         </p:nvSpPr>
@@ -3380,13 +2969,7 @@
       </p:sp>
       <p:sp>
         <p:nvSpPr>
-          <p:cNvPr id="76" name="矩形 75">
-            <a:extLst>
-              <a:ext uri="{FF2B5EF4-FFF2-40B4-BE49-F238E27FC236}">
-                <a16:creationId xmlns:a16="http://schemas.microsoft.com/office/drawing/2014/main" id="{FF75D6EB-62F3-4150-9C5A-AA3B0FBCCE36}"/>
-              </a:ext>
-            </a:extLst>
-          </p:cNvPr>
+          <p:cNvPr id="76" name="矩形 75"/>
           <p:cNvSpPr/>
           <p:nvPr/>
         </p:nvSpPr>
@@ -3432,13 +3015,7 @@
       </p:sp>
       <p:sp>
         <p:nvSpPr>
-          <p:cNvPr id="49" name="矩形 48">
-            <a:extLst>
-              <a:ext uri="{FF2B5EF4-FFF2-40B4-BE49-F238E27FC236}">
-                <a16:creationId xmlns:a16="http://schemas.microsoft.com/office/drawing/2014/main" id="{E30EC0DC-F84D-4966-8287-46EFF4B1F975}"/>
-              </a:ext>
-            </a:extLst>
-          </p:cNvPr>
+          <p:cNvPr id="49" name="矩形 48"/>
           <p:cNvSpPr/>
           <p:nvPr/>
         </p:nvSpPr>
@@ -3484,13 +3061,7 @@
       </p:sp>
       <p:sp>
         <p:nvSpPr>
-          <p:cNvPr id="32" name="矩形 31">
-            <a:extLst>
-              <a:ext uri="{FF2B5EF4-FFF2-40B4-BE49-F238E27FC236}">
-                <a16:creationId xmlns:a16="http://schemas.microsoft.com/office/drawing/2014/main" id="{CF80D9FD-601C-47CE-8000-F4B6B944E9ED}"/>
-              </a:ext>
-            </a:extLst>
-          </p:cNvPr>
+          <p:cNvPr id="32" name="矩形 31"/>
           <p:cNvSpPr/>
           <p:nvPr/>
         </p:nvSpPr>
@@ -3536,13 +3107,7 @@
       </p:sp>
       <p:sp>
         <p:nvSpPr>
-          <p:cNvPr id="5" name="矩形: 圆角 4">
-            <a:extLst>
-              <a:ext uri="{FF2B5EF4-FFF2-40B4-BE49-F238E27FC236}">
-                <a16:creationId xmlns:a16="http://schemas.microsoft.com/office/drawing/2014/main" id="{21A5F943-252C-4F7B-A183-743A4503CE61}"/>
-              </a:ext>
-            </a:extLst>
-          </p:cNvPr>
+          <p:cNvPr id="5" name="矩形: 圆角 4"/>
           <p:cNvSpPr/>
           <p:nvPr/>
         </p:nvSpPr>
@@ -3634,13 +3199,7 @@
       </p:sp>
       <p:sp>
         <p:nvSpPr>
-          <p:cNvPr id="6" name="矩形: 圆角 5">
-            <a:extLst>
-              <a:ext uri="{FF2B5EF4-FFF2-40B4-BE49-F238E27FC236}">
-                <a16:creationId xmlns:a16="http://schemas.microsoft.com/office/drawing/2014/main" id="{4C3D81D4-9608-4660-A02A-659804C68DE4}"/>
-              </a:ext>
-            </a:extLst>
-          </p:cNvPr>
+          <p:cNvPr id="6" name="矩形: 圆角 5"/>
           <p:cNvSpPr/>
           <p:nvPr/>
         </p:nvSpPr>
@@ -3704,19 +3263,13 @@
       </p:sp>
       <p:sp>
         <p:nvSpPr>
-          <p:cNvPr id="7" name="矩形: 圆角 6">
-            <a:extLst>
-              <a:ext uri="{FF2B5EF4-FFF2-40B4-BE49-F238E27FC236}">
-                <a16:creationId xmlns:a16="http://schemas.microsoft.com/office/drawing/2014/main" id="{66940CFA-EA52-4161-B7D7-ACFDD0A9DD0F}"/>
-              </a:ext>
-            </a:extLst>
-          </p:cNvPr>
+          <p:cNvPr id="7" name="矩形: 圆角 6"/>
           <p:cNvSpPr/>
           <p:nvPr/>
         </p:nvSpPr>
         <p:spPr>
           <a:xfrm>
-            <a:off x="2422687" y="3650526"/>
+            <a:off x="2422687" y="3661956"/>
             <a:ext cx="6860349" cy="678734"/>
           </a:xfrm>
           <a:prstGeom prst="roundRect">
@@ -3764,6 +3317,13 @@
               </a:rPr>
               <a:t>DOM</a:t>
             </a:r>
+            <a:endParaRPr lang="en-US" altLang="zh-CN" sz="1400">
+              <a:solidFill>
+                <a:schemeClr val="bg1">
+                  <a:lumMod val="75000"/>
+                </a:schemeClr>
+              </a:solidFill>
+            </a:endParaRPr>
           </a:p>
           <a:p>
             <a:pPr algn="ctr"/>
@@ -3777,13 +3337,7 @@
       </p:sp>
       <p:sp>
         <p:nvSpPr>
-          <p:cNvPr id="8" name="矩形: 圆角 7">
-            <a:extLst>
-              <a:ext uri="{FF2B5EF4-FFF2-40B4-BE49-F238E27FC236}">
-                <a16:creationId xmlns:a16="http://schemas.microsoft.com/office/drawing/2014/main" id="{8622A4B0-8E8D-4588-898E-180CC9E74823}"/>
-              </a:ext>
-            </a:extLst>
-          </p:cNvPr>
+          <p:cNvPr id="8" name="矩形: 圆角 7"/>
           <p:cNvSpPr/>
           <p:nvPr/>
         </p:nvSpPr>
@@ -3857,6 +3411,13 @@
               </a:rPr>
               <a:t>DOM</a:t>
             </a:r>
+            <a:endParaRPr lang="en-US" altLang="zh-CN" sz="1400">
+              <a:solidFill>
+                <a:schemeClr val="bg1">
+                  <a:lumMod val="75000"/>
+                </a:schemeClr>
+              </a:solidFill>
+            </a:endParaRPr>
           </a:p>
           <a:p>
             <a:pPr algn="ctr"/>
@@ -3870,15 +3431,8 @@
       </p:sp>
       <p:cxnSp>
         <p:nvCxnSpPr>
-          <p:cNvPr id="10" name="直接箭头连接符 9">
-            <a:extLst>
-              <a:ext uri="{FF2B5EF4-FFF2-40B4-BE49-F238E27FC236}">
-                <a16:creationId xmlns:a16="http://schemas.microsoft.com/office/drawing/2014/main" id="{E63D388B-20E9-477B-A154-4D3BFEF36B87}"/>
-              </a:ext>
-            </a:extLst>
-          </p:cNvPr>
+          <p:cNvPr id="10" name="直接箭头连接符 9"/>
           <p:cNvCxnSpPr>
-            <a:cxnSpLocks/>
             <a:stCxn id="5" idx="3"/>
             <a:endCxn id="6" idx="1"/>
           </p:cNvCxnSpPr>
@@ -3916,16 +3470,8 @@
       </p:cxnSp>
       <p:cxnSp>
         <p:nvCxnSpPr>
-          <p:cNvPr id="13" name="直接箭头连接符 12">
-            <a:extLst>
-              <a:ext uri="{FF2B5EF4-FFF2-40B4-BE49-F238E27FC236}">
-                <a16:creationId xmlns:a16="http://schemas.microsoft.com/office/drawing/2014/main" id="{791AED5B-9573-4C5D-B1B0-8A33E2C25A4C}"/>
-              </a:ext>
-            </a:extLst>
-          </p:cNvPr>
-          <p:cNvCxnSpPr>
-            <a:cxnSpLocks/>
-          </p:cNvCxnSpPr>
+          <p:cNvPr id="13" name="直接箭头连接符 12"/>
+          <p:cNvCxnSpPr/>
           <p:nvPr/>
         </p:nvCxnSpPr>
         <p:spPr>
@@ -3960,15 +3506,8 @@
       </p:cxnSp>
       <p:cxnSp>
         <p:nvCxnSpPr>
-          <p:cNvPr id="16" name="直接箭头连接符 15">
-            <a:extLst>
-              <a:ext uri="{FF2B5EF4-FFF2-40B4-BE49-F238E27FC236}">
-                <a16:creationId xmlns:a16="http://schemas.microsoft.com/office/drawing/2014/main" id="{D4211198-195A-4BCE-B5F9-079834805408}"/>
-              </a:ext>
-            </a:extLst>
-          </p:cNvPr>
+          <p:cNvPr id="16" name="直接箭头连接符 15"/>
           <p:cNvCxnSpPr>
-            <a:cxnSpLocks/>
             <a:endCxn id="8" idx="0"/>
           </p:cNvCxnSpPr>
           <p:nvPr/>
@@ -4005,13 +3544,7 @@
       </p:cxnSp>
       <p:sp>
         <p:nvSpPr>
-          <p:cNvPr id="19" name="文本框 18">
-            <a:extLst>
-              <a:ext uri="{FF2B5EF4-FFF2-40B4-BE49-F238E27FC236}">
-                <a16:creationId xmlns:a16="http://schemas.microsoft.com/office/drawing/2014/main" id="{4E54CCE7-097C-4756-A262-F33911885856}"/>
-              </a:ext>
-            </a:extLst>
-          </p:cNvPr>
+          <p:cNvPr id="19" name="文本框 18"/>
           <p:cNvSpPr txBox="1"/>
           <p:nvPr/>
         </p:nvSpPr>
@@ -4036,18 +3569,13 @@
               <a:rPr lang="zh-CN" altLang="en-US"/>
               <a:t>初始化阶段</a:t>
             </a:r>
-          </a:p>
-        </p:txBody>
-      </p:sp>
-      <p:sp>
-        <p:nvSpPr>
-          <p:cNvPr id="20" name="文本框 19">
-            <a:extLst>
-              <a:ext uri="{FF2B5EF4-FFF2-40B4-BE49-F238E27FC236}">
-                <a16:creationId xmlns:a16="http://schemas.microsoft.com/office/drawing/2014/main" id="{140BC0A1-9D23-46DB-A94B-D357C430E26C}"/>
-              </a:ext>
-            </a:extLst>
-          </p:cNvPr>
+            <a:endParaRPr lang="zh-CN" altLang="en-US"/>
+          </a:p>
+        </p:txBody>
+      </p:sp>
+      <p:sp>
+        <p:nvSpPr>
+          <p:cNvPr id="20" name="文本框 19"/>
           <p:cNvSpPr txBox="1"/>
           <p:nvPr/>
         </p:nvSpPr>
@@ -4072,18 +3600,13 @@
               <a:rPr lang="zh-CN" altLang="en-US"/>
               <a:t>挂载阶段</a:t>
             </a:r>
-          </a:p>
-        </p:txBody>
-      </p:sp>
-      <p:sp>
-        <p:nvSpPr>
-          <p:cNvPr id="46" name="文本框 45">
-            <a:extLst>
-              <a:ext uri="{FF2B5EF4-FFF2-40B4-BE49-F238E27FC236}">
-                <a16:creationId xmlns:a16="http://schemas.microsoft.com/office/drawing/2014/main" id="{BABDED57-CC38-4F95-BB4D-A2C2506059B5}"/>
-              </a:ext>
-            </a:extLst>
-          </p:cNvPr>
+            <a:endParaRPr lang="zh-CN" altLang="en-US"/>
+          </a:p>
+        </p:txBody>
+      </p:sp>
+      <p:sp>
+        <p:nvSpPr>
+          <p:cNvPr id="46" name="文本框 45"/>
           <p:cNvSpPr txBox="1"/>
           <p:nvPr/>
         </p:nvSpPr>
@@ -4108,21 +3631,14 @@
               <a:rPr lang="zh-CN" altLang="en-US"/>
               <a:t>属性变化</a:t>
             </a:r>
+            <a:endParaRPr lang="zh-CN" altLang="en-US"/>
           </a:p>
         </p:txBody>
       </p:sp>
       <p:cxnSp>
         <p:nvCxnSpPr>
-          <p:cNvPr id="51" name="直接箭头连接符 50">
-            <a:extLst>
-              <a:ext uri="{FF2B5EF4-FFF2-40B4-BE49-F238E27FC236}">
-                <a16:creationId xmlns:a16="http://schemas.microsoft.com/office/drawing/2014/main" id="{ED3CEE98-08D5-4B1F-B158-FC2A19C5F343}"/>
-              </a:ext>
-            </a:extLst>
-          </p:cNvPr>
-          <p:cNvCxnSpPr>
-            <a:cxnSpLocks/>
-          </p:cNvCxnSpPr>
+          <p:cNvPr id="51" name="直接箭头连接符 50"/>
+          <p:cNvCxnSpPr/>
           <p:nvPr/>
         </p:nvCxnSpPr>
         <p:spPr>
@@ -4157,13 +3673,7 @@
       </p:cxnSp>
       <p:sp>
         <p:nvSpPr>
-          <p:cNvPr id="53" name="矩形: 圆角 52">
-            <a:extLst>
-              <a:ext uri="{FF2B5EF4-FFF2-40B4-BE49-F238E27FC236}">
-                <a16:creationId xmlns:a16="http://schemas.microsoft.com/office/drawing/2014/main" id="{9BC2A2CE-31AB-410D-B122-C4446DE5E8A4}"/>
-              </a:ext>
-            </a:extLst>
-          </p:cNvPr>
+          <p:cNvPr id="53" name="矩形: 圆角 52"/>
           <p:cNvSpPr/>
           <p:nvPr/>
         </p:nvSpPr>
@@ -4239,16 +3749,8 @@
       </p:sp>
       <p:cxnSp>
         <p:nvCxnSpPr>
-          <p:cNvPr id="56" name="直接箭头连接符 55">
-            <a:extLst>
-              <a:ext uri="{FF2B5EF4-FFF2-40B4-BE49-F238E27FC236}">
-                <a16:creationId xmlns:a16="http://schemas.microsoft.com/office/drawing/2014/main" id="{6EC729BA-BB12-43FC-AFFA-0F8591201255}"/>
-              </a:ext>
-            </a:extLst>
-          </p:cNvPr>
-          <p:cNvCxnSpPr>
-            <a:cxnSpLocks/>
-          </p:cNvCxnSpPr>
+          <p:cNvPr id="56" name="直接箭头连接符 55"/>
+          <p:cNvCxnSpPr/>
           <p:nvPr/>
         </p:nvCxnSpPr>
         <p:spPr>
@@ -4283,16 +3785,8 @@
       </p:cxnSp>
       <p:cxnSp>
         <p:nvCxnSpPr>
-          <p:cNvPr id="59" name="直接箭头连接符 58">
-            <a:extLst>
-              <a:ext uri="{FF2B5EF4-FFF2-40B4-BE49-F238E27FC236}">
-                <a16:creationId xmlns:a16="http://schemas.microsoft.com/office/drawing/2014/main" id="{B36FB8B2-8D61-497F-8DAE-B6604EBC7E18}"/>
-              </a:ext>
-            </a:extLst>
-          </p:cNvPr>
-          <p:cNvCxnSpPr>
-            <a:cxnSpLocks/>
-          </p:cNvCxnSpPr>
+          <p:cNvPr id="59" name="直接箭头连接符 58"/>
+          <p:cNvCxnSpPr/>
           <p:nvPr/>
         </p:nvCxnSpPr>
         <p:spPr>
@@ -4327,13 +3821,7 @@
       </p:cxnSp>
       <p:sp>
         <p:nvSpPr>
-          <p:cNvPr id="61" name="文本框 60">
-            <a:extLst>
-              <a:ext uri="{FF2B5EF4-FFF2-40B4-BE49-F238E27FC236}">
-                <a16:creationId xmlns:a16="http://schemas.microsoft.com/office/drawing/2014/main" id="{EF5A7B7E-DC6F-4099-B085-A0DD9682D142}"/>
-              </a:ext>
-            </a:extLst>
-          </p:cNvPr>
+          <p:cNvPr id="61" name="文本框 60"/>
           <p:cNvSpPr txBox="1"/>
           <p:nvPr/>
         </p:nvSpPr>
@@ -4372,13 +3860,7 @@
       </p:sp>
       <p:sp>
         <p:nvSpPr>
-          <p:cNvPr id="62" name="文本框 61">
-            <a:extLst>
-              <a:ext uri="{FF2B5EF4-FFF2-40B4-BE49-F238E27FC236}">
-                <a16:creationId xmlns:a16="http://schemas.microsoft.com/office/drawing/2014/main" id="{CE6924D4-5B9A-4485-96B2-5EEBAD34B5BC}"/>
-              </a:ext>
-            </a:extLst>
-          </p:cNvPr>
+          <p:cNvPr id="62" name="文本框 61"/>
           <p:cNvSpPr txBox="1"/>
           <p:nvPr/>
         </p:nvSpPr>
@@ -4421,16 +3903,8 @@
       </p:sp>
       <p:cxnSp>
         <p:nvCxnSpPr>
-          <p:cNvPr id="63" name="直接箭头连接符 62">
-            <a:extLst>
-              <a:ext uri="{FF2B5EF4-FFF2-40B4-BE49-F238E27FC236}">
-                <a16:creationId xmlns:a16="http://schemas.microsoft.com/office/drawing/2014/main" id="{BAAC0ACD-2F42-4644-A18A-2D6DF3E30AB8}"/>
-              </a:ext>
-            </a:extLst>
-          </p:cNvPr>
-          <p:cNvCxnSpPr>
-            <a:cxnSpLocks/>
-          </p:cNvCxnSpPr>
+          <p:cNvPr id="63" name="直接箭头连接符 62"/>
+          <p:cNvCxnSpPr/>
           <p:nvPr/>
         </p:nvCxnSpPr>
         <p:spPr>
@@ -4465,13 +3939,7 @@
       </p:cxnSp>
       <p:sp>
         <p:nvSpPr>
-          <p:cNvPr id="66" name="文本框 65">
-            <a:extLst>
-              <a:ext uri="{FF2B5EF4-FFF2-40B4-BE49-F238E27FC236}">
-                <a16:creationId xmlns:a16="http://schemas.microsoft.com/office/drawing/2014/main" id="{38A07E8E-DF14-4354-853B-F92E1C9EE3F6}"/>
-              </a:ext>
-            </a:extLst>
-          </p:cNvPr>
+          <p:cNvPr id="66" name="文本框 65"/>
           <p:cNvSpPr txBox="1"/>
           <p:nvPr/>
         </p:nvSpPr>
@@ -4501,18 +3969,19 @@
               </a:rPr>
               <a:t>结束</a:t>
             </a:r>
-          </a:p>
-        </p:txBody>
-      </p:sp>
-      <p:sp>
-        <p:nvSpPr>
-          <p:cNvPr id="69" name="文本框 68">
-            <a:extLst>
-              <a:ext uri="{FF2B5EF4-FFF2-40B4-BE49-F238E27FC236}">
-                <a16:creationId xmlns:a16="http://schemas.microsoft.com/office/drawing/2014/main" id="{AF56508B-C882-4632-80DC-35F0F6252543}"/>
-              </a:ext>
-            </a:extLst>
-          </p:cNvPr>
+            <a:endParaRPr lang="zh-CN" altLang="en-US">
+              <a:solidFill>
+                <a:schemeClr val="accent2">
+                  <a:lumMod val="75000"/>
+                </a:schemeClr>
+              </a:solidFill>
+            </a:endParaRPr>
+          </a:p>
+        </p:txBody>
+      </p:sp>
+      <p:sp>
+        <p:nvSpPr>
+          <p:cNvPr id="69" name="文本框 68"/>
           <p:cNvSpPr txBox="1"/>
           <p:nvPr/>
         </p:nvSpPr>
@@ -4537,21 +4006,14 @@
               <a:rPr lang="zh-CN" altLang="en-US"/>
               <a:t>状态变化</a:t>
             </a:r>
+            <a:endParaRPr lang="zh-CN" altLang="en-US"/>
           </a:p>
         </p:txBody>
       </p:sp>
       <p:cxnSp>
         <p:nvCxnSpPr>
-          <p:cNvPr id="70" name="直接箭头连接符 69">
-            <a:extLst>
-              <a:ext uri="{FF2B5EF4-FFF2-40B4-BE49-F238E27FC236}">
-                <a16:creationId xmlns:a16="http://schemas.microsoft.com/office/drawing/2014/main" id="{317882E2-C359-4094-A720-E144DEC6E8A4}"/>
-              </a:ext>
-            </a:extLst>
-          </p:cNvPr>
-          <p:cNvCxnSpPr>
-            <a:cxnSpLocks/>
-          </p:cNvCxnSpPr>
+          <p:cNvPr id="70" name="直接箭头连接符 69"/>
+          <p:cNvCxnSpPr/>
           <p:nvPr/>
         </p:nvCxnSpPr>
         <p:spPr>
@@ -4586,13 +4048,7 @@
       </p:cxnSp>
       <p:sp>
         <p:nvSpPr>
-          <p:cNvPr id="71" name="矩形: 圆角 70">
-            <a:extLst>
-              <a:ext uri="{FF2B5EF4-FFF2-40B4-BE49-F238E27FC236}">
-                <a16:creationId xmlns:a16="http://schemas.microsoft.com/office/drawing/2014/main" id="{914DD311-BF3B-48C4-848C-68A926FD6543}"/>
-              </a:ext>
-            </a:extLst>
-          </p:cNvPr>
+          <p:cNvPr id="71" name="矩形: 圆角 70"/>
           <p:cNvSpPr/>
           <p:nvPr/>
         </p:nvSpPr>
@@ -4656,16 +4112,8 @@
       </p:sp>
       <p:cxnSp>
         <p:nvCxnSpPr>
-          <p:cNvPr id="73" name="直接箭头连接符 72">
-            <a:extLst>
-              <a:ext uri="{FF2B5EF4-FFF2-40B4-BE49-F238E27FC236}">
-                <a16:creationId xmlns:a16="http://schemas.microsoft.com/office/drawing/2014/main" id="{56829642-DF1F-4936-81C2-4907CE01279D}"/>
-              </a:ext>
-            </a:extLst>
-          </p:cNvPr>
-          <p:cNvCxnSpPr>
-            <a:cxnSpLocks/>
-          </p:cNvCxnSpPr>
+          <p:cNvPr id="73" name="直接箭头连接符 72"/>
+          <p:cNvCxnSpPr/>
           <p:nvPr/>
         </p:nvCxnSpPr>
         <p:spPr>
@@ -4700,16 +4148,8 @@
       </p:cxnSp>
       <p:cxnSp>
         <p:nvCxnSpPr>
-          <p:cNvPr id="74" name="直接箭头连接符 73">
-            <a:extLst>
-              <a:ext uri="{FF2B5EF4-FFF2-40B4-BE49-F238E27FC236}">
-                <a16:creationId xmlns:a16="http://schemas.microsoft.com/office/drawing/2014/main" id="{40372952-35F0-4567-9D64-F6437FB344DF}"/>
-              </a:ext>
-            </a:extLst>
-          </p:cNvPr>
-          <p:cNvCxnSpPr>
-            <a:cxnSpLocks/>
-          </p:cNvCxnSpPr>
+          <p:cNvPr id="74" name="直接箭头连接符 73"/>
+          <p:cNvCxnSpPr/>
           <p:nvPr/>
         </p:nvCxnSpPr>
         <p:spPr>
@@ -4744,13 +4184,7 @@
       </p:cxnSp>
       <p:sp>
         <p:nvSpPr>
-          <p:cNvPr id="75" name="矩形: 圆角 74">
-            <a:extLst>
-              <a:ext uri="{FF2B5EF4-FFF2-40B4-BE49-F238E27FC236}">
-                <a16:creationId xmlns:a16="http://schemas.microsoft.com/office/drawing/2014/main" id="{A1DE3337-C25D-4A4F-9C15-A849F5BBE5FB}"/>
-              </a:ext>
-            </a:extLst>
-          </p:cNvPr>
+          <p:cNvPr id="75" name="矩形: 圆角 74"/>
           <p:cNvSpPr/>
           <p:nvPr/>
         </p:nvSpPr>
@@ -4824,6 +4258,13 @@
               </a:rPr>
               <a:t>DOM</a:t>
             </a:r>
+            <a:endParaRPr lang="en-US" altLang="zh-CN" sz="1400">
+              <a:solidFill>
+                <a:schemeClr val="bg1">
+                  <a:lumMod val="75000"/>
+                </a:schemeClr>
+              </a:solidFill>
+            </a:endParaRPr>
           </a:p>
           <a:p>
             <a:pPr algn="ctr"/>
@@ -4837,13 +4278,7 @@
       </p:sp>
       <p:sp>
         <p:nvSpPr>
-          <p:cNvPr id="77" name="文本框 76">
-            <a:extLst>
-              <a:ext uri="{FF2B5EF4-FFF2-40B4-BE49-F238E27FC236}">
-                <a16:creationId xmlns:a16="http://schemas.microsoft.com/office/drawing/2014/main" id="{B3595588-2845-439D-8040-FEF0AEA499A8}"/>
-              </a:ext>
-            </a:extLst>
-          </p:cNvPr>
+          <p:cNvPr id="77" name="文本框 76"/>
           <p:cNvSpPr txBox="1"/>
           <p:nvPr/>
         </p:nvSpPr>
@@ -4868,18 +4303,13 @@
               <a:rPr lang="zh-CN" altLang="en-US"/>
               <a:t>更新阶段</a:t>
             </a:r>
-          </a:p>
-        </p:txBody>
-      </p:sp>
-      <p:sp>
-        <p:nvSpPr>
-          <p:cNvPr id="78" name="矩形: 圆角 77">
-            <a:extLst>
-              <a:ext uri="{FF2B5EF4-FFF2-40B4-BE49-F238E27FC236}">
-                <a16:creationId xmlns:a16="http://schemas.microsoft.com/office/drawing/2014/main" id="{A5C18971-1912-4DA5-A127-D7EF34A7277B}"/>
-              </a:ext>
-            </a:extLst>
-          </p:cNvPr>
+            <a:endParaRPr lang="zh-CN" altLang="en-US"/>
+          </a:p>
+        </p:txBody>
+      </p:sp>
+      <p:sp>
+        <p:nvSpPr>
+          <p:cNvPr id="78" name="矩形: 圆角 77"/>
           <p:cNvSpPr/>
           <p:nvPr/>
         </p:nvSpPr>
@@ -4935,21 +4365,15 @@
             <a:pPr algn="ctr"/>
             <a:r>
               <a:rPr lang="en-US" altLang="zh-CN" sz="1400"/>
-              <a:t>componentWillMount</a:t>
-            </a:r>
-            <a:endParaRPr lang="zh-CN" altLang="en-US" sz="1400"/>
-          </a:p>
-        </p:txBody>
-      </p:sp>
-      <p:sp>
-        <p:nvSpPr>
-          <p:cNvPr id="79" name="文本框 78">
-            <a:extLst>
-              <a:ext uri="{FF2B5EF4-FFF2-40B4-BE49-F238E27FC236}">
-                <a16:creationId xmlns:a16="http://schemas.microsoft.com/office/drawing/2014/main" id="{0D576FF6-3411-4EE5-9160-7E8A80179784}"/>
-              </a:ext>
-            </a:extLst>
-          </p:cNvPr>
+              <a:t>componentWillUnmount</a:t>
+            </a:r>
+            <a:endParaRPr lang="en-US" altLang="zh-CN" sz="1400"/>
+          </a:p>
+        </p:txBody>
+      </p:sp>
+      <p:sp>
+        <p:nvSpPr>
+          <p:cNvPr id="79" name="文本框 78"/>
           <p:cNvSpPr txBox="1"/>
           <p:nvPr/>
         </p:nvSpPr>
@@ -4974,15 +4398,11 @@
               <a:rPr lang="zh-CN" altLang="en-US"/>
               <a:t>销毁阶段</a:t>
             </a:r>
+            <a:endParaRPr lang="zh-CN" altLang="en-US"/>
           </a:p>
         </p:txBody>
       </p:sp>
     </p:spTree>
-    <p:extLst>
-      <p:ext uri="{BB962C8B-B14F-4D97-AF65-F5344CB8AC3E}">
-        <p14:creationId xmlns:p14="http://schemas.microsoft.com/office/powerpoint/2010/main" val="1736491092"/>
-      </p:ext>
-    </p:extLst>
   </p:cSld>
   <p:clrMapOvr>
     <a:masterClrMapping/>
@@ -5033,7 +4453,7 @@
     </a:clrScheme>
     <a:fontScheme name="Office">
       <a:majorFont>
-        <a:latin typeface="等线 Light" panose="020F0302020204030204"/>
+        <a:latin typeface="等线 Light"/>
         <a:ea typeface=""/>
         <a:cs typeface=""/>
         <a:font script="Jpan" typeface="游ゴシック Light"/>
@@ -5066,26 +4486,9 @@
         <a:font script="Viet" typeface="Times New Roman"/>
         <a:font script="Uigh" typeface="Microsoft Uighur"/>
         <a:font script="Geor" typeface="Sylfaen"/>
-        <a:font script="Armn" typeface="Arial"/>
-        <a:font script="Bugi" typeface="Leelawadee UI"/>
-        <a:font script="Bopo" typeface="Microsoft JhengHei"/>
-        <a:font script="Java" typeface="Javanese Text"/>
-        <a:font script="Lisu" typeface="Segoe UI"/>
-        <a:font script="Mymr" typeface="Myanmar Text"/>
-        <a:font script="Nkoo" typeface="Ebrima"/>
-        <a:font script="Olck" typeface="Nirmala UI"/>
-        <a:font script="Osma" typeface="Ebrima"/>
-        <a:font script="Phag" typeface="Phagspa"/>
-        <a:font script="Syrn" typeface="Estrangelo Edessa"/>
-        <a:font script="Syrj" typeface="Estrangelo Edessa"/>
-        <a:font script="Syre" typeface="Estrangelo Edessa"/>
-        <a:font script="Sora" typeface="Nirmala UI"/>
-        <a:font script="Tale" typeface="Microsoft Tai Le"/>
-        <a:font script="Talu" typeface="Microsoft New Tai Lue"/>
-        <a:font script="Tfng" typeface="Ebrima"/>
       </a:majorFont>
       <a:minorFont>
-        <a:latin typeface="等线" panose="020F0502020204030204"/>
+        <a:latin typeface="等线"/>
         <a:ea typeface=""/>
         <a:cs typeface=""/>
         <a:font script="Jpan" typeface="游ゴシック"/>
@@ -5118,23 +4521,6 @@
         <a:font script="Viet" typeface="Arial"/>
         <a:font script="Uigh" typeface="Microsoft Uighur"/>
         <a:font script="Geor" typeface="Sylfaen"/>
-        <a:font script="Armn" typeface="Arial"/>
-        <a:font script="Bugi" typeface="Leelawadee UI"/>
-        <a:font script="Bopo" typeface="Microsoft JhengHei"/>
-        <a:font script="Java" typeface="Javanese Text"/>
-        <a:font script="Lisu" typeface="Segoe UI"/>
-        <a:font script="Mymr" typeface="Myanmar Text"/>
-        <a:font script="Nkoo" typeface="Ebrima"/>
-        <a:font script="Olck" typeface="Nirmala UI"/>
-        <a:font script="Osma" typeface="Ebrima"/>
-        <a:font script="Phag" typeface="Phagspa"/>
-        <a:font script="Syrn" typeface="Estrangelo Edessa"/>
-        <a:font script="Syrj" typeface="Estrangelo Edessa"/>
-        <a:font script="Syre" typeface="Estrangelo Edessa"/>
-        <a:font script="Sora" typeface="Nirmala UI"/>
-        <a:font script="Tale" typeface="Microsoft Tai Le"/>
-        <a:font script="Talu" typeface="Microsoft New Tai Lue"/>
-        <a:font script="Tfng" typeface="Ebrima"/>
       </a:minorFont>
     </a:fontScheme>
     <a:fmtScheme name="Office">
@@ -5275,8 +4661,6 @@
       </a:bgFillStyleLst>
     </a:fmtScheme>
   </a:themeElements>
-  <a:objectDefaults/>
-  <a:extraClrSchemeLst/>
   <a:extLst>
     <a:ext uri="{05A4C25C-085E-4340-85A3-A5531E510DB2}">
       <thm15:themeFamily xmlns:thm15="http://schemas.microsoft.com/office/thememl/2012/main" name="Office Theme" id="{62F939B6-93AF-4DB8-9C6B-D6C7DFDC589F}" vid="{4A3C46E8-61CC-4603-A589-7422A47A8E4A}"/>
